--- a/essay_code/ppt/毕业答辩ppt.pptx
+++ b/essay_code/ppt/毕业答辩ppt.pptx
@@ -13,13 +13,14 @@
     <p:sldId id="259" r:id="rId6"/>
     <p:sldId id="2360" r:id="rId7"/>
     <p:sldId id="2362" r:id="rId8"/>
-    <p:sldId id="2358" r:id="rId9"/>
-    <p:sldId id="2359" r:id="rId10"/>
+    <p:sldId id="2365" r:id="rId9"/>
+    <p:sldId id="2358" r:id="rId10"/>
+    <p:sldId id="2359" r:id="rId11"/>
   </p:sldIdLst>
   <p:sldSz cx="12192000" cy="6858000"/>
   <p:notesSz cx="6858000" cy="9144000"/>
   <p:custDataLst>
-    <p:tags r:id="rId14"/>
+    <p:tags r:id="rId15"/>
   </p:custDataLst>
   <p:defaultTextStyle>
     <a:defPPr>
@@ -935,6 +936,84 @@
 </file>
 
 <file path=ppt/notesSlides/notesSlide7.xml><?xml version="1.0" encoding="utf-8"?>
+<p:notes xmlns:a="http://schemas.openxmlformats.org/drawingml/2006/main" xmlns:r="http://schemas.openxmlformats.org/officeDocument/2006/relationships" xmlns:p="http://schemas.openxmlformats.org/presentationml/2006/main">
+  <p:cSld>
+    <p:spTree>
+      <p:nvGrpSpPr>
+        <p:cNvPr id="1" name=""/>
+        <p:cNvGrpSpPr/>
+        <p:nvPr/>
+      </p:nvGrpSpPr>
+      <p:grpSpPr>
+        <a:xfrm>
+          <a:off x="0" y="0"/>
+          <a:ext cx="0" cy="0"/>
+          <a:chOff x="0" y="0"/>
+          <a:chExt cx="0" cy="0"/>
+        </a:xfrm>
+      </p:grpSpPr>
+      <p:sp>
+        <p:nvSpPr>
+          <p:cNvPr id="2" name="幻灯片图像占位符 1"/>
+          <p:cNvSpPr>
+            <a:spLocks noGrp="1" noRot="1" noChangeAspect="1"/>
+          </p:cNvSpPr>
+          <p:nvPr>
+            <p:ph type="sldImg"/>
+          </p:nvPr>
+        </p:nvSpPr>
+        <p:spPr/>
+      </p:sp>
+      <p:sp>
+        <p:nvSpPr>
+          <p:cNvPr id="3" name="备注占位符 2"/>
+          <p:cNvSpPr>
+            <a:spLocks noGrp="1"/>
+          </p:cNvSpPr>
+          <p:nvPr>
+            <p:ph type="body" idx="1"/>
+          </p:nvPr>
+        </p:nvSpPr>
+        <p:spPr/>
+        <p:txBody>
+          <a:bodyPr/>
+          <a:lstStyle/>
+          <a:p>
+            <a:endParaRPr lang="zh-CN" altLang="en-US"/>
+          </a:p>
+        </p:txBody>
+      </p:sp>
+      <p:sp>
+        <p:nvSpPr>
+          <p:cNvPr id="4" name="灯片编号占位符 3"/>
+          <p:cNvSpPr>
+            <a:spLocks noGrp="1"/>
+          </p:cNvSpPr>
+          <p:nvPr>
+            <p:ph type="sldNum" sz="quarter" idx="5"/>
+          </p:nvPr>
+        </p:nvSpPr>
+        <p:spPr/>
+        <p:txBody>
+          <a:bodyPr/>
+          <a:lstStyle/>
+          <a:p>
+            <a:fld id="{8CE537F3-7F9D-4182-8C2D-F2D36A9B177C}" type="slidenum">
+              <a:rPr lang="zh-CN" altLang="en-US" smtClean="0"/>
+            </a:fld>
+            <a:endParaRPr lang="zh-CN" altLang="en-US"/>
+          </a:p>
+        </p:txBody>
+      </p:sp>
+    </p:spTree>
+  </p:cSld>
+  <p:clrMapOvr>
+    <a:masterClrMapping/>
+  </p:clrMapOvr>
+</p:notes>
+</file>
+
+<file path=ppt/notesSlides/notesSlide8.xml><?xml version="1.0" encoding="utf-8"?>
 <p:notes xmlns:a="http://schemas.openxmlformats.org/drawingml/2006/main" xmlns:r="http://schemas.openxmlformats.org/officeDocument/2006/relationships" xmlns:p="http://schemas.openxmlformats.org/presentationml/2006/main">
   <p:cSld>
     <p:spTree>
@@ -4158,7 +4237,7 @@
         </p:nvSpPr>
         <p:spPr>
           <a:xfrm>
-            <a:off x="628015" y="2525395"/>
+            <a:off x="628015" y="2858135"/>
             <a:ext cx="6529705" cy="521970"/>
           </a:xfrm>
           <a:prstGeom prst="rect">
@@ -4202,8 +4281,8 @@
         </p:nvSpPr>
         <p:spPr>
           <a:xfrm>
-            <a:off x="1107662" y="4627355"/>
-            <a:ext cx="3348224" cy="706755"/>
+            <a:off x="915892" y="3831700"/>
+            <a:ext cx="3348224" cy="1630045"/>
           </a:xfrm>
           <a:prstGeom prst="rect">
             <a:avLst/>
@@ -4218,83 +4297,192 @@
           <a:p>
             <a:r>
               <a:rPr lang="zh-CN" altLang="en-US" sz="2000" dirty="0">
-                <a:ea typeface="+mn-lt"/>
-                <a:cs typeface="+mn-lt"/>
+                <a:latin typeface="楷体" panose="02010609060101010101" charset="-122"/>
+                <a:ea typeface="楷体" panose="02010609060101010101" charset="-122"/>
+                <a:cs typeface="楷体" panose="02010609060101010101" charset="-122"/>
                 <a:sym typeface="字魂59号-创粗黑" panose="00000500000000000000" pitchFamily="2" charset="-122"/>
               </a:rPr>
               <a:t>汇报人：郑佶</a:t>
             </a:r>
-            <a:endParaRPr lang="en-US" altLang="zh-CN" sz="2000" dirty="0">
-              <a:ea typeface="+mn-lt"/>
-              <a:cs typeface="+mn-lt"/>
+            <a:endParaRPr lang="zh-CN" altLang="en-US" sz="2000" dirty="0">
+              <a:latin typeface="楷体" panose="02010609060101010101" charset="-122"/>
+              <a:ea typeface="楷体" panose="02010609060101010101" charset="-122"/>
+              <a:cs typeface="楷体" panose="02010609060101010101" charset="-122"/>
               <a:sym typeface="字魂59号-创粗黑" panose="00000500000000000000" pitchFamily="2" charset="-122"/>
             </a:endParaRPr>
           </a:p>
           <a:p>
+            <a:endParaRPr lang="en-US" altLang="zh-CN" sz="2000" dirty="0">
+              <a:latin typeface="楷体" panose="02010609060101010101" charset="-122"/>
+              <a:ea typeface="楷体" panose="02010609060101010101" charset="-122"/>
+              <a:cs typeface="楷体" panose="02010609060101010101" charset="-122"/>
+              <a:sym typeface="字魂59号-创粗黑" panose="00000500000000000000" pitchFamily="2" charset="-122"/>
+            </a:endParaRPr>
+          </a:p>
+          <a:p>
             <a:r>
               <a:rPr lang="zh-CN" altLang="en-US" sz="2000" dirty="0">
-                <a:ea typeface="+mn-lt"/>
-                <a:cs typeface="+mn-lt"/>
+                <a:latin typeface="楷体" panose="02010609060101010101" charset="-122"/>
+                <a:ea typeface="楷体" panose="02010609060101010101" charset="-122"/>
+                <a:cs typeface="楷体" panose="02010609060101010101" charset="-122"/>
                 <a:sym typeface="字魂59号-创粗黑" panose="00000500000000000000" pitchFamily="2" charset="-122"/>
               </a:rPr>
               <a:t>汇报时间：</a:t>
             </a:r>
             <a:r>
               <a:rPr lang="en-US" altLang="zh-CN" sz="2000" dirty="0">
-                <a:ea typeface="+mn-lt"/>
-                <a:cs typeface="+mn-lt"/>
+                <a:latin typeface="楷体" panose="02010609060101010101" charset="-122"/>
+                <a:ea typeface="楷体" panose="02010609060101010101" charset="-122"/>
+                <a:cs typeface="楷体" panose="02010609060101010101" charset="-122"/>
                 <a:sym typeface="字魂59号-创粗黑" panose="00000500000000000000" pitchFamily="2" charset="-122"/>
               </a:rPr>
               <a:t>2022</a:t>
             </a:r>
             <a:r>
               <a:rPr lang="zh-CN" altLang="en-US" sz="2000" dirty="0">
-                <a:ea typeface="+mn-lt"/>
-                <a:cs typeface="+mn-lt"/>
+                <a:latin typeface="楷体" panose="02010609060101010101" charset="-122"/>
+                <a:ea typeface="楷体" panose="02010609060101010101" charset="-122"/>
+                <a:cs typeface="楷体" panose="02010609060101010101" charset="-122"/>
                 <a:sym typeface="字魂59号-创粗黑" panose="00000500000000000000" pitchFamily="2" charset="-122"/>
               </a:rPr>
               <a:t>年</a:t>
             </a:r>
             <a:r>
               <a:rPr lang="en-US" altLang="zh-CN" sz="2000" dirty="0">
-                <a:ea typeface="+mn-lt"/>
-                <a:cs typeface="+mn-lt"/>
+                <a:latin typeface="楷体" panose="02010609060101010101" charset="-122"/>
+                <a:ea typeface="楷体" panose="02010609060101010101" charset="-122"/>
+                <a:cs typeface="楷体" panose="02010609060101010101" charset="-122"/>
                 <a:sym typeface="字魂59号-创粗黑" panose="00000500000000000000" pitchFamily="2" charset="-122"/>
               </a:rPr>
               <a:t>5</a:t>
             </a:r>
             <a:r>
               <a:rPr lang="zh-CN" altLang="en-US" sz="2000" dirty="0">
-                <a:ea typeface="+mn-lt"/>
-                <a:cs typeface="+mn-lt"/>
+                <a:latin typeface="楷体" panose="02010609060101010101" charset="-122"/>
+                <a:ea typeface="楷体" panose="02010609060101010101" charset="-122"/>
+                <a:cs typeface="楷体" panose="02010609060101010101" charset="-122"/>
                 <a:sym typeface="字魂59号-创粗黑" panose="00000500000000000000" pitchFamily="2" charset="-122"/>
               </a:rPr>
               <a:t>月</a:t>
             </a:r>
             <a:r>
               <a:rPr lang="en-US" altLang="zh-CN" sz="2000" dirty="0">
-                <a:ea typeface="+mn-lt"/>
-                <a:cs typeface="+mn-lt"/>
+                <a:latin typeface="楷体" panose="02010609060101010101" charset="-122"/>
+                <a:ea typeface="楷体" panose="02010609060101010101" charset="-122"/>
+                <a:cs typeface="楷体" panose="02010609060101010101" charset="-122"/>
                 <a:sym typeface="字魂59号-创粗黑" panose="00000500000000000000" pitchFamily="2" charset="-122"/>
               </a:rPr>
               <a:t>17</a:t>
             </a:r>
             <a:r>
               <a:rPr lang="zh-CN" altLang="en-US" sz="2000" dirty="0">
-                <a:ea typeface="+mn-lt"/>
-                <a:cs typeface="+mn-lt"/>
+                <a:latin typeface="楷体" panose="02010609060101010101" charset="-122"/>
+                <a:ea typeface="楷体" panose="02010609060101010101" charset="-122"/>
+                <a:cs typeface="楷体" panose="02010609060101010101" charset="-122"/>
                 <a:sym typeface="字魂59号-创粗黑" panose="00000500000000000000" pitchFamily="2" charset="-122"/>
               </a:rPr>
               <a:t>日</a:t>
             </a:r>
             <a:endParaRPr lang="zh-CN" altLang="en-US" sz="2000" dirty="0">
-              <a:ea typeface="+mn-lt"/>
-              <a:cs typeface="+mn-lt"/>
+              <a:latin typeface="楷体" panose="02010609060101010101" charset="-122"/>
+              <a:ea typeface="楷体" panose="02010609060101010101" charset="-122"/>
+              <a:cs typeface="楷体" panose="02010609060101010101" charset="-122"/>
               <a:sym typeface="字魂59号-创粗黑" panose="00000500000000000000" pitchFamily="2" charset="-122"/>
             </a:endParaRPr>
           </a:p>
+          <a:p>
+            <a:endParaRPr lang="zh-CN" altLang="en-US" sz="2000" dirty="0">
+              <a:latin typeface="楷体" panose="02010609060101010101" charset="-122"/>
+              <a:ea typeface="楷体" panose="02010609060101010101" charset="-122"/>
+              <a:cs typeface="楷体" panose="02010609060101010101" charset="-122"/>
+              <a:sym typeface="字魂59号-创粗黑" panose="00000500000000000000" pitchFamily="2" charset="-122"/>
+            </a:endParaRPr>
+          </a:p>
+          <a:p>
+            <a:r>
+              <a:rPr lang="zh-CN" altLang="en-US" sz="2000" dirty="0">
+                <a:latin typeface="楷体" panose="02010609060101010101" charset="-122"/>
+                <a:ea typeface="楷体" panose="02010609060101010101" charset="-122"/>
+                <a:cs typeface="楷体" panose="02010609060101010101" charset="-122"/>
+                <a:sym typeface="字魂59号-创粗黑" panose="00000500000000000000" pitchFamily="2" charset="-122"/>
+              </a:rPr>
+              <a:t>指导老师：张玉</a:t>
+            </a:r>
+            <a:r>
+              <a:rPr lang="en-US" altLang="zh-CN" sz="2000" dirty="0">
+                <a:latin typeface="楷体" panose="02010609060101010101" charset="-122"/>
+                <a:ea typeface="楷体" panose="02010609060101010101" charset="-122"/>
+                <a:cs typeface="楷体" panose="02010609060101010101" charset="-122"/>
+                <a:sym typeface="字魂59号-创粗黑" panose="00000500000000000000" pitchFamily="2" charset="-122"/>
+              </a:rPr>
+              <a:t> </a:t>
+            </a:r>
+            <a:r>
+              <a:rPr lang="zh-CN" altLang="en-US" sz="2000" dirty="0">
+                <a:latin typeface="楷体" panose="02010609060101010101" charset="-122"/>
+                <a:ea typeface="楷体" panose="02010609060101010101" charset="-122"/>
+                <a:cs typeface="楷体" panose="02010609060101010101" charset="-122"/>
+                <a:sym typeface="字魂59号-创粗黑" panose="00000500000000000000" pitchFamily="2" charset="-122"/>
+              </a:rPr>
+              <a:t>副教授</a:t>
+            </a:r>
+            <a:endParaRPr lang="zh-CN" altLang="en-US" sz="2000" dirty="0">
+              <a:latin typeface="楷体" panose="02010609060101010101" charset="-122"/>
+              <a:ea typeface="楷体" panose="02010609060101010101" charset="-122"/>
+              <a:cs typeface="楷体" panose="02010609060101010101" charset="-122"/>
+              <a:sym typeface="字魂59号-创粗黑" panose="00000500000000000000" pitchFamily="2" charset="-122"/>
+            </a:endParaRPr>
+          </a:p>
         </p:txBody>
       </p:sp>
+      <p:pic>
+        <p:nvPicPr>
+          <p:cNvPr id="2" name="图片 1" descr="nankaidaxue"/>
+          <p:cNvPicPr>
+            <a:picLocks noChangeAspect="1"/>
+          </p:cNvPicPr>
+          <p:nvPr/>
+        </p:nvPicPr>
+        <p:blipFill>
+          <a:blip r:embed="rId1"/>
+          <a:stretch>
+            <a:fillRect/>
+          </a:stretch>
+        </p:blipFill>
+        <p:spPr>
+          <a:xfrm>
+            <a:off x="3603625" y="614680"/>
+            <a:ext cx="3825240" cy="1242060"/>
+          </a:xfrm>
+          <a:prstGeom prst="rect">
+            <a:avLst/>
+          </a:prstGeom>
+        </p:spPr>
+      </p:pic>
+      <p:pic>
+        <p:nvPicPr>
+          <p:cNvPr id="4" name="图片 3" descr="xiaohui"/>
+          <p:cNvPicPr>
+            <a:picLocks noChangeAspect="1"/>
+          </p:cNvPicPr>
+          <p:nvPr/>
+        </p:nvPicPr>
+        <p:blipFill>
+          <a:blip r:embed="rId2"/>
+          <a:stretch>
+            <a:fillRect/>
+          </a:stretch>
+        </p:blipFill>
+        <p:spPr>
+          <a:xfrm>
+            <a:off x="537845" y="64770"/>
+            <a:ext cx="2356485" cy="2341880"/>
+          </a:xfrm>
+          <a:prstGeom prst="rect">
+            <a:avLst/>
+          </a:prstGeom>
+        </p:spPr>
+      </p:pic>
     </p:spTree>
   </p:cSld>
   <p:clrMapOvr>
@@ -6785,7 +6973,7 @@
                   <a:cs typeface="+mn-lt"/>
                   <a:sym typeface="字魂58号-创中黑" panose="00000500000000000000" pitchFamily="2" charset="-122"/>
                 </a:rPr>
-                <a:t>初期）</a:t>
+                <a:t>概念抽象）</a:t>
               </a:r>
               <a:endParaRPr lang="zh-CN" altLang="en-US" sz="1355">
                 <a:ea typeface="字魂58号-创中黑" panose="00000500000000000000" pitchFamily="2" charset="-122"/>
@@ -7777,7 +7965,7 @@
                   <a:cs typeface="+mn-lt"/>
                   <a:sym typeface="字魂58号-创中黑" panose="00000500000000000000" pitchFamily="2" charset="-122"/>
                 </a:rPr>
-                <a:t>神经结构与人工神经网络（</a:t>
+                <a:t>神经结构与人工神经网络（结构</a:t>
               </a:r>
               <a:r>
                 <a:rPr lang="zh-CN" altLang="en-US" sz="1355">
@@ -7785,7 +7973,7 @@
                   <a:cs typeface="+mn-lt"/>
                   <a:sym typeface="字魂58号-创中黑" panose="00000500000000000000" pitchFamily="2" charset="-122"/>
                 </a:rPr>
-                <a:t>模型结构）</a:t>
+                <a:t>）</a:t>
               </a:r>
               <a:endParaRPr lang="zh-CN" altLang="en-US" sz="1355">
                 <a:ea typeface="字魂58号-创中黑" panose="00000500000000000000" pitchFamily="2" charset="-122"/>
@@ -7895,7 +8083,7 @@
                 <a:cs typeface="+mj-lt"/>
                 <a:sym typeface="字魂58号-创中黑" panose="00000500000000000000" pitchFamily="2" charset="-122"/>
               </a:rPr>
-              <a:t>模型</a:t>
+              <a:t>模型仅包含单层的线性神经元，且不对输出</a:t>
             </a:r>
             <a:r>
               <a:rPr lang="zh-CN" altLang="en-US" sz="1600" b="1" dirty="0">
@@ -7908,20 +8096,7 @@
                 <a:cs typeface="+mj-lt"/>
                 <a:sym typeface="字魂58号-创中黑" panose="00000500000000000000" pitchFamily="2" charset="-122"/>
               </a:rPr>
-              <a:t>仅能实现简单的线性</a:t>
-            </a:r>
-            <a:r>
-              <a:rPr lang="zh-CN" altLang="en-US" sz="1600" b="1" dirty="0">
-                <a:solidFill>
-                  <a:srgbClr val="000000"/>
-                </a:solidFill>
-                <a:uFillTx/>
-                <a:latin typeface="+mj-lt"/>
-                <a:ea typeface="+mj-lt"/>
-                <a:cs typeface="+mj-lt"/>
-                <a:sym typeface="字魂58号-创中黑" panose="00000500000000000000" pitchFamily="2" charset="-122"/>
-              </a:rPr>
-              <a:t>函数映射</a:t>
+              <a:t>进行处理</a:t>
             </a:r>
             <a:endParaRPr lang="zh-CN" altLang="en-US" sz="1600" b="1" dirty="0">
               <a:solidFill>
@@ -8096,7 +8271,7 @@
                 <a:cs typeface="+mj-lt"/>
                 <a:sym typeface="字魂58号-创中黑" panose="00000500000000000000" pitchFamily="2" charset="-122"/>
               </a:rPr>
-              <a:t>模型以及</a:t>
+              <a:t>感知机模型以及</a:t>
             </a:r>
             <a:r>
               <a:rPr lang="en-US" altLang="zh-CN" sz="1600" b="1" dirty="0">
@@ -8122,7 +8297,7 @@
                 <a:cs typeface="+mj-lt"/>
                 <a:sym typeface="字魂58号-创中黑" panose="00000500000000000000" pitchFamily="2" charset="-122"/>
               </a:rPr>
-              <a:t>等人提出的</a:t>
+              <a:t>等人提出的改进型</a:t>
             </a:r>
             <a:r>
               <a:rPr lang="en-US" altLang="zh-CN" sz="1600" b="1" dirty="0">
@@ -8148,10 +8323,10 @@
                 <a:cs typeface="+mj-lt"/>
                 <a:sym typeface="字魂58号-创中黑" panose="00000500000000000000" pitchFamily="2" charset="-122"/>
               </a:rPr>
-              <a:t>模型通过引入非线性的激活函数（如</a:t>
-            </a:r>
-            <a:r>
-              <a:rPr lang="en-US" altLang="zh-CN" sz="1600" b="1" dirty="0">
+              <a:t>引入</a:t>
+            </a:r>
+            <a:r>
+              <a:rPr lang="zh-CN" altLang="en-US" sz="1600" b="1" dirty="0">
                 <a:solidFill>
                   <a:srgbClr val="000000"/>
                 </a:solidFill>
@@ -8161,10 +8336,10 @@
                 <a:cs typeface="+mj-lt"/>
                 <a:sym typeface="字魂58号-创中黑" panose="00000500000000000000" pitchFamily="2" charset="-122"/>
               </a:rPr>
-              <a:t>Sigmod</a:t>
-            </a:r>
-            <a:r>
-              <a:rPr lang="zh-CN" altLang="en-US" sz="1600" b="1" dirty="0">
+              <a:t>非线性激活函数来替代阈值逻辑，引入</a:t>
+            </a:r>
+            <a:r>
+              <a:rPr lang="en-US" altLang="zh-CN" sz="1600" b="1" dirty="0">
                 <a:solidFill>
                   <a:srgbClr val="000000"/>
                 </a:solidFill>
@@ -8174,7 +8349,7 @@
                 <a:cs typeface="+mj-lt"/>
                 <a:sym typeface="字魂58号-创中黑" panose="00000500000000000000" pitchFamily="2" charset="-122"/>
               </a:rPr>
-              <a:t>单元）来替代阈值逻辑，实现人工神经网络的非线性函数映射功能，通过使用自适应线性单元的类别预测函数改进多分类器</a:t>
+              <a:t>ALN</a:t>
             </a:r>
             <a:r>
               <a:rPr lang="zh-CN" altLang="en-US" sz="1600" b="1" dirty="0">
@@ -8187,7 +8362,46 @@
                 <a:cs typeface="+mj-lt"/>
                 <a:sym typeface="字魂58号-创中黑" panose="00000500000000000000" pitchFamily="2" charset="-122"/>
               </a:rPr>
-              <a:t>的性能</a:t>
+              <a:t>（自适应线性</a:t>
+            </a:r>
+            <a:r>
+              <a:rPr lang="zh-CN" altLang="en-US" sz="1600" b="1" dirty="0">
+                <a:solidFill>
+                  <a:srgbClr val="000000"/>
+                </a:solidFill>
+                <a:uFillTx/>
+                <a:latin typeface="+mj-lt"/>
+                <a:ea typeface="+mj-lt"/>
+                <a:cs typeface="+mj-lt"/>
+                <a:sym typeface="字魂58号-创中黑" panose="00000500000000000000" pitchFamily="2" charset="-122"/>
+              </a:rPr>
+              <a:t>神经元）实现</a:t>
+            </a:r>
+            <a:r>
+              <a:rPr lang="zh-CN" altLang="en-US" sz="1600" b="1" dirty="0">
+                <a:solidFill>
+                  <a:srgbClr val="000000"/>
+                </a:solidFill>
+                <a:uFillTx/>
+                <a:latin typeface="+mj-lt"/>
+                <a:ea typeface="+mj-lt"/>
+                <a:cs typeface="+mj-lt"/>
+                <a:sym typeface="字魂58号-创中黑" panose="00000500000000000000" pitchFamily="2" charset="-122"/>
+              </a:rPr>
+              <a:t>的类别预测函数等</a:t>
+            </a:r>
+            <a:r>
+              <a:rPr lang="zh-CN" altLang="en-US" sz="1600" b="1" dirty="0">
+                <a:solidFill>
+                  <a:srgbClr val="000000"/>
+                </a:solidFill>
+                <a:uFillTx/>
+                <a:latin typeface="+mj-lt"/>
+                <a:ea typeface="+mj-lt"/>
+                <a:cs typeface="+mj-lt"/>
+                <a:sym typeface="字魂58号-创中黑" panose="00000500000000000000" pitchFamily="2" charset="-122"/>
+              </a:rPr>
+              <a:t>处理功能</a:t>
             </a:r>
             <a:endParaRPr lang="zh-CN" altLang="en-US" sz="1600" b="1" dirty="0">
               <a:solidFill>
@@ -8510,10 +8724,10 @@
         </p:nvGrpSpPr>
         <p:grpSpPr>
           <a:xfrm>
-            <a:off x="1329055" y="1035050"/>
-            <a:ext cx="1303655" cy="527685"/>
-            <a:chOff x="596313" y="1484159"/>
-            <a:chExt cx="2353491" cy="1722348"/>
+            <a:off x="899795" y="725805"/>
+            <a:ext cx="3426460" cy="617855"/>
+            <a:chOff x="-92653" y="1189847"/>
+            <a:chExt cx="4811301" cy="2016660"/>
           </a:xfrm>
           <a:solidFill>
             <a:srgbClr val="E3CAB4"/>
@@ -8527,8 +8741,8 @@
           </p:nvSpPr>
           <p:spPr>
             <a:xfrm>
-              <a:off x="596313" y="1484159"/>
-              <a:ext cx="2353491" cy="1472188"/>
+              <a:off x="-92653" y="1189847"/>
+              <a:ext cx="4811301" cy="1471561"/>
             </a:xfrm>
             <a:prstGeom prst="roundRect">
               <a:avLst>
@@ -8561,6 +8775,22 @@
             <a:lstStyle/>
             <a:p>
               <a:pPr algn="ctr"/>
+              <a:r>
+                <a:rPr lang="zh-CN" altLang="en-US" sz="1355">
+                  <a:ea typeface="字魂58号-创中黑" panose="00000500000000000000" pitchFamily="2" charset="-122"/>
+                  <a:cs typeface="+mn-lt"/>
+                  <a:sym typeface="字魂58号-创中黑" panose="00000500000000000000" pitchFamily="2" charset="-122"/>
+                </a:rPr>
+                <a:t>神经结构与人工神经网络（结构</a:t>
+              </a:r>
+              <a:r>
+                <a:rPr lang="zh-CN" altLang="en-US" sz="1355">
+                  <a:ea typeface="字魂58号-创中黑" panose="00000500000000000000" pitchFamily="2" charset="-122"/>
+                  <a:cs typeface="+mn-lt"/>
+                  <a:sym typeface="字魂58号-创中黑" panose="00000500000000000000" pitchFamily="2" charset="-122"/>
+                </a:rPr>
+                <a:t>）</a:t>
+              </a:r>
               <a:endParaRPr lang="zh-CN" altLang="en-US" sz="1355">
                 <a:ea typeface="字魂58号-创中黑" panose="00000500000000000000" pitchFamily="2" charset="-122"/>
                 <a:cs typeface="+mn-lt"/>
@@ -8618,16 +8848,49 @@
           </p:txBody>
         </p:sp>
       </p:grpSp>
-      <p:sp>
-        <p:nvSpPr>
-          <p:cNvPr id="70" name="文本框 22"/>
+      <p:cxnSp>
+        <p:nvCxnSpPr>
+          <p:cNvPr id="6" name="直接箭头连接符 5"/>
+          <p:cNvCxnSpPr/>
+          <p:nvPr/>
+        </p:nvCxnSpPr>
+        <p:spPr>
+          <a:xfrm>
+            <a:off x="3359785" y="2984500"/>
+            <a:ext cx="350520" cy="2540"/>
+          </a:xfrm>
+          <a:prstGeom prst="straightConnector1">
+            <a:avLst/>
+          </a:prstGeom>
+          <a:ln>
+            <a:tailEnd type="arrow"/>
+          </a:ln>
+        </p:spPr>
+        <p:style>
+          <a:lnRef idx="1">
+            <a:schemeClr val="accent1"/>
+          </a:lnRef>
+          <a:fillRef idx="0">
+            <a:schemeClr val="accent1"/>
+          </a:fillRef>
+          <a:effectRef idx="0">
+            <a:schemeClr val="accent1"/>
+          </a:effectRef>
+          <a:fontRef idx="minor">
+            <a:schemeClr val="tx1"/>
+          </a:fontRef>
+        </p:style>
+      </p:cxnSp>
+      <p:sp>
+        <p:nvSpPr>
+          <p:cNvPr id="10" name="文本框 22"/>
           <p:cNvSpPr txBox="1"/>
           <p:nvPr/>
         </p:nvSpPr>
         <p:spPr>
           <a:xfrm>
-            <a:off x="2308860" y="1886585"/>
-            <a:ext cx="7273925" cy="4155440"/>
+            <a:off x="203835" y="4895215"/>
+            <a:ext cx="3071495" cy="526415"/>
           </a:xfrm>
           <a:prstGeom prst="rect">
             <a:avLst/>
@@ -8638,7 +8901,6 @@
           <a:bodyPr wrap="square" lIns="0" tIns="0" rIns="0" bIns="0" anchor="ctr" anchorCtr="1">
             <a:noAutofit/>
           </a:bodyPr>
-          <a:lstStyle/>
           <a:p>
             <a:pPr algn="l" defTabSz="815340" fontAlgn="auto">
               <a:lnSpc>
@@ -8646,19 +8908,399 @@
               </a:lnSpc>
               <a:defRPr/>
             </a:pPr>
-            <a:endParaRPr lang="zh-CN" altLang="en-US" sz="2400" b="1" dirty="0">
+            <a:r>
+              <a:rPr lang="en-US" altLang="zh-CN" sz="1600" b="1" dirty="0">
+                <a:solidFill>
+                  <a:srgbClr val="000000"/>
+                </a:solidFill>
+                <a:uFillTx/>
+                <a:latin typeface="+mj-lt"/>
+                <a:ea typeface="+mj-lt"/>
+                <a:cs typeface="+mj-lt"/>
+                <a:sym typeface="字魂58号-创中黑" panose="00000500000000000000" pitchFamily="2" charset="-122"/>
+              </a:rPr>
+              <a:t>M-P </a:t>
+            </a:r>
+            <a:r>
+              <a:rPr lang="zh-CN" altLang="en-US" sz="1600" b="1" dirty="0">
+                <a:solidFill>
+                  <a:srgbClr val="000000"/>
+                </a:solidFill>
+                <a:uFillTx/>
+                <a:latin typeface="+mj-lt"/>
+                <a:ea typeface="+mj-lt"/>
+                <a:cs typeface="+mj-lt"/>
+                <a:sym typeface="字魂58号-创中黑" panose="00000500000000000000" pitchFamily="2" charset="-122"/>
+              </a:rPr>
+              <a:t>模型的神经元链接是单层的、线性的，</a:t>
+            </a:r>
+            <a:r>
+              <a:rPr lang="en-US" altLang="zh-CN" sz="1600" b="1" dirty="0">
+                <a:solidFill>
+                  <a:srgbClr val="000000"/>
+                </a:solidFill>
+                <a:uFillTx/>
+                <a:latin typeface="+mj-lt"/>
+                <a:ea typeface="+mj-lt"/>
+                <a:cs typeface="+mj-lt"/>
+                <a:sym typeface="字魂58号-创中黑" panose="00000500000000000000" pitchFamily="2" charset="-122"/>
+              </a:rPr>
+              <a:t>M. Minsky </a:t>
+            </a:r>
+            <a:r>
+              <a:rPr lang="zh-CN" altLang="en-US" sz="1600" b="1" dirty="0">
+                <a:solidFill>
+                  <a:srgbClr val="000000"/>
+                </a:solidFill>
+                <a:uFillTx/>
+                <a:latin typeface="+mj-lt"/>
+                <a:ea typeface="+mj-lt"/>
+                <a:cs typeface="+mj-lt"/>
+                <a:sym typeface="字魂58号-创中黑" panose="00000500000000000000" pitchFamily="2" charset="-122"/>
+              </a:rPr>
+              <a:t>与</a:t>
+            </a:r>
+            <a:r>
+              <a:rPr lang="en-US" altLang="zh-CN" sz="1600" b="1" dirty="0">
+                <a:solidFill>
+                  <a:srgbClr val="000000"/>
+                </a:solidFill>
+                <a:uFillTx/>
+                <a:latin typeface="+mj-lt"/>
+                <a:ea typeface="+mj-lt"/>
+                <a:cs typeface="+mj-lt"/>
+                <a:sym typeface="字魂58号-创中黑" panose="00000500000000000000" pitchFamily="2" charset="-122"/>
+              </a:rPr>
+              <a:t> S. Papert </a:t>
+            </a:r>
+            <a:r>
+              <a:rPr lang="zh-CN" altLang="en-US" sz="1600" b="1" dirty="0">
+                <a:solidFill>
+                  <a:srgbClr val="000000"/>
+                </a:solidFill>
+                <a:uFillTx/>
+                <a:latin typeface="+mj-lt"/>
+                <a:ea typeface="+mj-lt"/>
+                <a:cs typeface="+mj-lt"/>
+                <a:sym typeface="字魂58号-创中黑" panose="00000500000000000000" pitchFamily="2" charset="-122"/>
+              </a:rPr>
+              <a:t>证明线性的单层</a:t>
+            </a:r>
+            <a:r>
+              <a:rPr lang="zh-CN" altLang="en-US" sz="1600" b="1" dirty="0">
+                <a:solidFill>
+                  <a:srgbClr val="000000"/>
+                </a:solidFill>
+                <a:uFillTx/>
+                <a:latin typeface="+mj-lt"/>
+                <a:ea typeface="+mj-lt"/>
+                <a:cs typeface="+mj-lt"/>
+                <a:sym typeface="字魂58号-创中黑" panose="00000500000000000000" pitchFamily="2" charset="-122"/>
+              </a:rPr>
+              <a:t>神经网络对复杂</a:t>
+            </a:r>
+            <a:r>
+              <a:rPr lang="zh-CN" altLang="en-US" sz="1600" b="1" dirty="0">
+                <a:solidFill>
+                  <a:srgbClr val="000000"/>
+                </a:solidFill>
+                <a:uFillTx/>
+                <a:latin typeface="+mj-lt"/>
+                <a:ea typeface="+mj-lt"/>
+                <a:cs typeface="+mj-lt"/>
+                <a:sym typeface="字魂58号-创中黑" panose="00000500000000000000" pitchFamily="2" charset="-122"/>
+              </a:rPr>
+              <a:t>映射的模拟能力有限的</a:t>
+            </a:r>
+            <a:endParaRPr lang="zh-CN" altLang="en-US" sz="1600" b="1" dirty="0">
               <a:solidFill>
                 <a:srgbClr val="000000"/>
               </a:solidFill>
               <a:uFillTx/>
-              <a:latin typeface="仿宋" panose="02010609060101010101" charset="-122"/>
-              <a:ea typeface="仿宋" panose="02010609060101010101" charset="-122"/>
-              <a:cs typeface="仿宋" panose="02010609060101010101" charset="-122"/>
+              <a:latin typeface="+mj-lt"/>
+              <a:ea typeface="+mj-lt"/>
+              <a:cs typeface="+mj-lt"/>
               <a:sym typeface="字魂58号-创中黑" panose="00000500000000000000" pitchFamily="2" charset="-122"/>
             </a:endParaRPr>
           </a:p>
         </p:txBody>
       </p:sp>
+      <p:pic>
+        <p:nvPicPr>
+          <p:cNvPr id="2" name="图片 1" descr="duoceng"/>
+          <p:cNvPicPr>
+            <a:picLocks noChangeAspect="1"/>
+          </p:cNvPicPr>
+          <p:nvPr/>
+        </p:nvPicPr>
+        <p:blipFill>
+          <a:blip r:embed="rId1"/>
+          <a:stretch>
+            <a:fillRect/>
+          </a:stretch>
+        </p:blipFill>
+        <p:spPr>
+          <a:xfrm>
+            <a:off x="7972425" y="1968500"/>
+            <a:ext cx="4145915" cy="2034540"/>
+          </a:xfrm>
+          <a:prstGeom prst="rect">
+            <a:avLst/>
+          </a:prstGeom>
+        </p:spPr>
+      </p:pic>
+      <p:sp>
+        <p:nvSpPr>
+          <p:cNvPr id="4" name="文本框 22"/>
+          <p:cNvSpPr txBox="1"/>
+          <p:nvPr/>
+        </p:nvSpPr>
+        <p:spPr>
+          <a:xfrm>
+            <a:off x="8079105" y="5007610"/>
+            <a:ext cx="3876675" cy="526415"/>
+          </a:xfrm>
+          <a:prstGeom prst="rect">
+            <a:avLst/>
+          </a:prstGeom>
+          <a:noFill/>
+        </p:spPr>
+        <p:txBody>
+          <a:bodyPr wrap="square" lIns="0" tIns="0" rIns="0" bIns="0" anchor="ctr" anchorCtr="1">
+            <a:noAutofit/>
+          </a:bodyPr>
+          <a:p>
+            <a:pPr algn="l" defTabSz="815340" fontAlgn="auto">
+              <a:lnSpc>
+                <a:spcPts val="2500"/>
+              </a:lnSpc>
+              <a:defRPr/>
+            </a:pPr>
+            <a:r>
+              <a:rPr lang="en-US" altLang="zh-CN" sz="1600" b="1" dirty="0">
+                <a:solidFill>
+                  <a:srgbClr val="000000"/>
+                </a:solidFill>
+                <a:uFillTx/>
+                <a:latin typeface="+mj-lt"/>
+                <a:ea typeface="+mj-lt"/>
+                <a:cs typeface="+mj-lt"/>
+                <a:sym typeface="字魂58号-创中黑" panose="00000500000000000000" pitchFamily="2" charset="-122"/>
+              </a:rPr>
+              <a:t>T. J. Sejnowski </a:t>
+            </a:r>
+            <a:r>
+              <a:rPr lang="zh-CN" altLang="en-US" sz="1600" b="1" dirty="0">
+                <a:solidFill>
+                  <a:srgbClr val="000000"/>
+                </a:solidFill>
+                <a:uFillTx/>
+                <a:latin typeface="+mj-lt"/>
+                <a:ea typeface="+mj-lt"/>
+                <a:cs typeface="+mj-lt"/>
+                <a:sym typeface="字魂58号-创中黑" panose="00000500000000000000" pitchFamily="2" charset="-122"/>
+              </a:rPr>
+              <a:t>等人通过引入隐藏层机制，使得神经网络变成多层结构，提高</a:t>
+            </a:r>
+            <a:r>
+              <a:rPr lang="zh-CN" altLang="en-US" sz="1600" b="1" dirty="0">
+                <a:solidFill>
+                  <a:srgbClr val="000000"/>
+                </a:solidFill>
+                <a:uFillTx/>
+                <a:latin typeface="+mj-lt"/>
+                <a:ea typeface="+mj-lt"/>
+                <a:cs typeface="+mj-lt"/>
+                <a:sym typeface="字魂58号-创中黑" panose="00000500000000000000" pitchFamily="2" charset="-122"/>
+              </a:rPr>
+              <a:t>了模型对复杂映射的模拟能力，足够层数的神经元层理论上可以以任意程度逼近</a:t>
+            </a:r>
+            <a:r>
+              <a:rPr lang="zh-CN" altLang="en-US" sz="1600" b="1" dirty="0">
+                <a:solidFill>
+                  <a:srgbClr val="000000"/>
+                </a:solidFill>
+                <a:uFillTx/>
+                <a:latin typeface="+mj-lt"/>
+                <a:ea typeface="+mj-lt"/>
+                <a:cs typeface="+mj-lt"/>
+                <a:sym typeface="字魂58号-创中黑" panose="00000500000000000000" pitchFamily="2" charset="-122"/>
+              </a:rPr>
+              <a:t>任意映射</a:t>
+            </a:r>
+            <a:endParaRPr lang="zh-CN" altLang="en-US" sz="1600" b="1" dirty="0">
+              <a:solidFill>
+                <a:srgbClr val="000000"/>
+              </a:solidFill>
+              <a:uFillTx/>
+              <a:latin typeface="+mj-lt"/>
+              <a:ea typeface="+mj-lt"/>
+              <a:cs typeface="+mj-lt"/>
+              <a:sym typeface="字魂58号-创中黑" panose="00000500000000000000" pitchFamily="2" charset="-122"/>
+            </a:endParaRPr>
+          </a:p>
+        </p:txBody>
+      </p:sp>
+      <p:pic>
+        <p:nvPicPr>
+          <p:cNvPr id="5" name="图片 4" descr="MP"/>
+          <p:cNvPicPr>
+            <a:picLocks noChangeAspect="1"/>
+          </p:cNvPicPr>
+          <p:nvPr/>
+        </p:nvPicPr>
+        <p:blipFill>
+          <a:blip r:embed="rId2"/>
+          <a:stretch>
+            <a:fillRect/>
+          </a:stretch>
+        </p:blipFill>
+        <p:spPr>
+          <a:xfrm>
+            <a:off x="415290" y="1975485"/>
+            <a:ext cx="2729865" cy="1974215"/>
+          </a:xfrm>
+          <a:prstGeom prst="rect">
+            <a:avLst/>
+          </a:prstGeom>
+        </p:spPr>
+      </p:pic>
+      <p:pic>
+        <p:nvPicPr>
+          <p:cNvPr id="9" name="图片 8" descr="feixianxing"/>
+          <p:cNvPicPr>
+            <a:picLocks noChangeAspect="1"/>
+          </p:cNvPicPr>
+          <p:nvPr/>
+        </p:nvPicPr>
+        <p:blipFill>
+          <a:blip r:embed="rId3"/>
+          <a:stretch>
+            <a:fillRect/>
+          </a:stretch>
+        </p:blipFill>
+        <p:spPr>
+          <a:xfrm>
+            <a:off x="3886200" y="1482090"/>
+            <a:ext cx="3637915" cy="2961640"/>
+          </a:xfrm>
+          <a:prstGeom prst="rect">
+            <a:avLst/>
+          </a:prstGeom>
+        </p:spPr>
+      </p:pic>
+      <p:sp>
+        <p:nvSpPr>
+          <p:cNvPr id="11" name="文本框 22"/>
+          <p:cNvSpPr txBox="1"/>
+          <p:nvPr/>
+        </p:nvSpPr>
+        <p:spPr>
+          <a:xfrm>
+            <a:off x="3935730" y="5089525"/>
+            <a:ext cx="3483610" cy="526415"/>
+          </a:xfrm>
+          <a:prstGeom prst="rect">
+            <a:avLst/>
+          </a:prstGeom>
+          <a:noFill/>
+        </p:spPr>
+        <p:txBody>
+          <a:bodyPr wrap="square" lIns="0" tIns="0" rIns="0" bIns="0" anchor="ctr" anchorCtr="1">
+            <a:noAutofit/>
+          </a:bodyPr>
+          <a:p>
+            <a:pPr algn="l" defTabSz="815340" fontAlgn="auto">
+              <a:lnSpc>
+                <a:spcPts val="2500"/>
+              </a:lnSpc>
+              <a:defRPr/>
+            </a:pPr>
+            <a:r>
+              <a:rPr lang="en-US" altLang="zh-CN" sz="1600" b="1" dirty="0">
+                <a:solidFill>
+                  <a:srgbClr val="000000"/>
+                </a:solidFill>
+                <a:uFillTx/>
+                <a:latin typeface="+mj-lt"/>
+                <a:ea typeface="+mj-lt"/>
+                <a:cs typeface="+mj-lt"/>
+                <a:sym typeface="字魂58号-创中黑" panose="00000500000000000000" pitchFamily="2" charset="-122"/>
+              </a:rPr>
+              <a:t>D. E. Rumelhart </a:t>
+            </a:r>
+            <a:r>
+              <a:rPr lang="zh-CN" altLang="en-US" sz="1600" b="1" dirty="0">
+                <a:solidFill>
+                  <a:srgbClr val="000000"/>
+                </a:solidFill>
+                <a:uFillTx/>
+                <a:latin typeface="+mj-lt"/>
+                <a:ea typeface="+mj-lt"/>
+                <a:cs typeface="+mj-lt"/>
+                <a:sym typeface="字魂58号-创中黑" panose="00000500000000000000" pitchFamily="2" charset="-122"/>
+              </a:rPr>
+              <a:t>等人通过非线性的函数单元的引入对线性神经网络在模拟映射能力上的欠缺</a:t>
+            </a:r>
+            <a:r>
+              <a:rPr lang="zh-CN" altLang="en-US" sz="1600" b="1" dirty="0">
+                <a:solidFill>
+                  <a:srgbClr val="000000"/>
+                </a:solidFill>
+                <a:uFillTx/>
+                <a:latin typeface="+mj-lt"/>
+                <a:ea typeface="+mj-lt"/>
+                <a:cs typeface="+mj-lt"/>
+                <a:sym typeface="字魂58号-创中黑" panose="00000500000000000000" pitchFamily="2" charset="-122"/>
+              </a:rPr>
+              <a:t>进行补充</a:t>
+            </a:r>
+            <a:endParaRPr lang="zh-CN" altLang="en-US" sz="1600" b="1" dirty="0">
+              <a:solidFill>
+                <a:srgbClr val="000000"/>
+              </a:solidFill>
+              <a:uFillTx/>
+              <a:latin typeface="+mj-lt"/>
+              <a:ea typeface="+mj-lt"/>
+              <a:cs typeface="+mj-lt"/>
+              <a:sym typeface="字魂58号-创中黑" panose="00000500000000000000" pitchFamily="2" charset="-122"/>
+            </a:endParaRPr>
+          </a:p>
+        </p:txBody>
+      </p:sp>
+      <p:cxnSp>
+        <p:nvCxnSpPr>
+          <p:cNvPr id="12" name="直接箭头连接符 11"/>
+          <p:cNvCxnSpPr/>
+          <p:nvPr/>
+        </p:nvCxnSpPr>
+        <p:spPr>
+          <a:xfrm>
+            <a:off x="7646670" y="2981960"/>
+            <a:ext cx="350520" cy="2540"/>
+          </a:xfrm>
+          <a:prstGeom prst="straightConnector1">
+            <a:avLst/>
+          </a:prstGeom>
+          <a:ln>
+            <a:tailEnd type="arrow"/>
+          </a:ln>
+        </p:spPr>
+        <p:style>
+          <a:lnRef idx="1">
+            <a:schemeClr val="accent1"/>
+          </a:lnRef>
+          <a:fillRef idx="0">
+            <a:schemeClr val="accent1"/>
+          </a:fillRef>
+          <a:effectRef idx="0">
+            <a:schemeClr val="accent1"/>
+          </a:effectRef>
+          <a:fontRef idx="minor">
+            <a:schemeClr val="tx1"/>
+          </a:fontRef>
+        </p:style>
+      </p:cxnSp>
     </p:spTree>
   </p:cSld>
   <p:clrMapOvr>
@@ -8943,10 +9585,10 @@
         </p:nvGrpSpPr>
         <p:grpSpPr>
           <a:xfrm>
-            <a:off x="1329055" y="1035050"/>
-            <a:ext cx="1303655" cy="527685"/>
-            <a:chOff x="596313" y="1484159"/>
-            <a:chExt cx="2353491" cy="1722348"/>
+            <a:off x="884555" y="782320"/>
+            <a:ext cx="3143885" cy="674370"/>
+            <a:chOff x="596313" y="1005384"/>
+            <a:chExt cx="5675662" cy="2201123"/>
           </a:xfrm>
           <a:solidFill>
             <a:srgbClr val="E3CAB4"/>
@@ -8960,8 +9602,8 @@
           </p:nvSpPr>
           <p:spPr>
             <a:xfrm>
-              <a:off x="596313" y="1484159"/>
-              <a:ext cx="2353491" cy="1472188"/>
+              <a:off x="596313" y="1005384"/>
+              <a:ext cx="5675662" cy="1471561"/>
             </a:xfrm>
             <a:prstGeom prst="roundRect">
               <a:avLst>
@@ -8994,6 +9636,22 @@
             <a:lstStyle/>
             <a:p>
               <a:pPr algn="ctr"/>
+              <a:r>
+                <a:rPr lang="zh-CN" altLang="en-US" sz="1355">
+                  <a:ea typeface="字魂58号-创中黑" panose="00000500000000000000" pitchFamily="2" charset="-122"/>
+                  <a:cs typeface="+mn-lt"/>
+                  <a:sym typeface="字魂58号-创中黑" panose="00000500000000000000" pitchFamily="2" charset="-122"/>
+                </a:rPr>
+                <a:t>神经结构与人工神经网络（机制</a:t>
+              </a:r>
+              <a:r>
+                <a:rPr lang="zh-CN" altLang="en-US" sz="1355">
+                  <a:ea typeface="字魂58号-创中黑" panose="00000500000000000000" pitchFamily="2" charset="-122"/>
+                  <a:cs typeface="+mn-lt"/>
+                  <a:sym typeface="字魂58号-创中黑" panose="00000500000000000000" pitchFamily="2" charset="-122"/>
+                </a:rPr>
+                <a:t>抽象）</a:t>
+              </a:r>
               <a:endParaRPr lang="zh-CN" altLang="en-US" sz="1355">
                 <a:ea typeface="字魂58号-创中黑" panose="00000500000000000000" pitchFamily="2" charset="-122"/>
                 <a:cs typeface="+mn-lt"/>
@@ -9051,16 +9709,44 @@
           </p:txBody>
         </p:sp>
       </p:grpSp>
-      <p:sp>
-        <p:nvSpPr>
-          <p:cNvPr id="70" name="文本框 22"/>
+      <p:pic>
+        <p:nvPicPr>
+          <p:cNvPr id="2" name="图片 1" descr="hebb"/>
+          <p:cNvPicPr>
+            <a:picLocks noChangeAspect="1"/>
+          </p:cNvPicPr>
+          <p:nvPr>
+            <p:custDataLst>
+              <p:tags r:id="rId1"/>
+            </p:custDataLst>
+          </p:nvPr>
+        </p:nvPicPr>
+        <p:blipFill>
+          <a:blip r:embed="rId2"/>
+          <a:stretch>
+            <a:fillRect/>
+          </a:stretch>
+        </p:blipFill>
+        <p:spPr>
+          <a:xfrm>
+            <a:off x="684530" y="1673860"/>
+            <a:ext cx="3104515" cy="3104515"/>
+          </a:xfrm>
+          <a:prstGeom prst="rect">
+            <a:avLst/>
+          </a:prstGeom>
+        </p:spPr>
+      </p:pic>
+      <p:sp>
+        <p:nvSpPr>
+          <p:cNvPr id="3" name="文本框 22"/>
           <p:cNvSpPr txBox="1"/>
           <p:nvPr/>
         </p:nvSpPr>
         <p:spPr>
           <a:xfrm>
-            <a:off x="2308860" y="1886585"/>
-            <a:ext cx="7273925" cy="4155440"/>
+            <a:off x="516890" y="5584190"/>
+            <a:ext cx="3622675" cy="526415"/>
           </a:xfrm>
           <a:prstGeom prst="rect">
             <a:avLst/>
@@ -9071,7 +9757,6 @@
           <a:bodyPr wrap="square" lIns="0" tIns="0" rIns="0" bIns="0" anchor="ctr" anchorCtr="1">
             <a:noAutofit/>
           </a:bodyPr>
-          <a:lstStyle/>
           <a:p>
             <a:pPr algn="l" defTabSz="815340" fontAlgn="auto">
               <a:lnSpc>
@@ -9079,14 +9764,1233 @@
               </a:lnSpc>
               <a:defRPr/>
             </a:pPr>
-            <a:endParaRPr lang="zh-CN" altLang="en-US" sz="2400" b="1" dirty="0">
+            <a:r>
+              <a:rPr lang="en-US" altLang="zh-CN" sz="1600" b="1" dirty="0">
+                <a:solidFill>
+                  <a:srgbClr val="000000"/>
+                </a:solidFill>
+                <a:uFillTx/>
+                <a:latin typeface="+mj-lt"/>
+                <a:ea typeface="+mj-lt"/>
+                <a:cs typeface="+mj-lt"/>
+                <a:sym typeface="字魂58号-创中黑" panose="00000500000000000000" pitchFamily="2" charset="-122"/>
+              </a:rPr>
+              <a:t>D. O. Hebb </a:t>
+            </a:r>
+            <a:r>
+              <a:rPr lang="zh-CN" altLang="en-US" sz="1600" b="1" dirty="0">
+                <a:solidFill>
+                  <a:srgbClr val="000000"/>
+                </a:solidFill>
+                <a:uFillTx/>
+                <a:latin typeface="+mj-lt"/>
+                <a:ea typeface="+mj-lt"/>
+                <a:cs typeface="+mj-lt"/>
+                <a:sym typeface="字魂58号-创中黑" panose="00000500000000000000" pitchFamily="2" charset="-122"/>
+              </a:rPr>
+              <a:t>基于对神经元激活机制（条件反射）的抽象，提出</a:t>
+            </a:r>
+            <a:r>
+              <a:rPr lang="en-US" altLang="zh-CN" sz="1600" b="1" dirty="0">
+                <a:solidFill>
+                  <a:srgbClr val="000000"/>
+                </a:solidFill>
+                <a:uFillTx/>
+                <a:latin typeface="+mj-lt"/>
+                <a:ea typeface="+mj-lt"/>
+                <a:cs typeface="+mj-lt"/>
+                <a:sym typeface="字魂58号-创中黑" panose="00000500000000000000" pitchFamily="2" charset="-122"/>
+              </a:rPr>
+              <a:t>Hebb </a:t>
+            </a:r>
+            <a:r>
+              <a:rPr lang="zh-CN" altLang="en-US" sz="1600" b="1" dirty="0">
+                <a:solidFill>
+                  <a:srgbClr val="000000"/>
+                </a:solidFill>
+                <a:uFillTx/>
+                <a:latin typeface="+mj-lt"/>
+                <a:ea typeface="+mj-lt"/>
+                <a:cs typeface="+mj-lt"/>
+                <a:sym typeface="字魂58号-创中黑" panose="00000500000000000000" pitchFamily="2" charset="-122"/>
+              </a:rPr>
+              <a:t>学习规则，指导思想是若根据神经元间</a:t>
+            </a:r>
+            <a:r>
+              <a:rPr lang="en-US" altLang="zh-CN" sz="1600" b="1" dirty="0">
+                <a:solidFill>
+                  <a:srgbClr val="000000"/>
+                </a:solidFill>
+                <a:uFillTx/>
+                <a:latin typeface="+mj-lt"/>
+                <a:ea typeface="+mj-lt"/>
+                <a:cs typeface="+mj-lt"/>
+                <a:sym typeface="字魂58号-创中黑" panose="00000500000000000000" pitchFamily="2" charset="-122"/>
+              </a:rPr>
+              <a:t>“</a:t>
+            </a:r>
+            <a:r>
+              <a:rPr lang="zh-CN" altLang="en-US" sz="1600" b="1" dirty="0">
+                <a:solidFill>
+                  <a:srgbClr val="000000"/>
+                </a:solidFill>
+                <a:uFillTx/>
+                <a:latin typeface="+mj-lt"/>
+                <a:ea typeface="+mj-lt"/>
+                <a:cs typeface="+mj-lt"/>
+                <a:sym typeface="字魂58号-创中黑" panose="00000500000000000000" pitchFamily="2" charset="-122"/>
+              </a:rPr>
+              <a:t>频繁同时激发</a:t>
+            </a:r>
+            <a:r>
+              <a:rPr lang="en-US" altLang="zh-CN" sz="1600" b="1" dirty="0">
+                <a:solidFill>
+                  <a:srgbClr val="000000"/>
+                </a:solidFill>
+                <a:uFillTx/>
+                <a:latin typeface="+mj-lt"/>
+                <a:ea typeface="+mj-lt"/>
+                <a:cs typeface="+mj-lt"/>
+                <a:sym typeface="字魂58号-创中黑" panose="00000500000000000000" pitchFamily="2" charset="-122"/>
+              </a:rPr>
+              <a:t>”</a:t>
+            </a:r>
+            <a:r>
+              <a:rPr lang="zh-CN" altLang="en-US" sz="1600" b="1" dirty="0">
+                <a:solidFill>
+                  <a:srgbClr val="000000"/>
+                </a:solidFill>
+                <a:uFillTx/>
+                <a:latin typeface="+mj-lt"/>
+                <a:ea typeface="+mj-lt"/>
+                <a:cs typeface="+mj-lt"/>
+                <a:sym typeface="字魂58号-创中黑" panose="00000500000000000000" pitchFamily="2" charset="-122"/>
+              </a:rPr>
+              <a:t>的程度调整</a:t>
+            </a:r>
+            <a:r>
+              <a:rPr lang="en-US" altLang="zh-CN" sz="1600" b="1" dirty="0">
+                <a:solidFill>
+                  <a:srgbClr val="000000"/>
+                </a:solidFill>
+                <a:uFillTx/>
+                <a:latin typeface="+mj-lt"/>
+                <a:ea typeface="+mj-lt"/>
+                <a:cs typeface="+mj-lt"/>
+                <a:sym typeface="字魂58号-创中黑" panose="00000500000000000000" pitchFamily="2" charset="-122"/>
+              </a:rPr>
+              <a:t>”</a:t>
+            </a:r>
+            <a:r>
+              <a:rPr lang="zh-CN" altLang="en-US" sz="1600" b="1" dirty="0">
+                <a:solidFill>
+                  <a:srgbClr val="000000"/>
+                </a:solidFill>
+                <a:uFillTx/>
+                <a:latin typeface="+mj-lt"/>
+                <a:ea typeface="+mj-lt"/>
+                <a:cs typeface="+mj-lt"/>
+                <a:sym typeface="字魂58号-创中黑" panose="00000500000000000000" pitchFamily="2" charset="-122"/>
+              </a:rPr>
+              <a:t>神经元联结强度</a:t>
+            </a:r>
+            <a:r>
+              <a:rPr lang="en-US" altLang="zh-CN" sz="1600" b="1" dirty="0">
+                <a:solidFill>
+                  <a:srgbClr val="000000"/>
+                </a:solidFill>
+                <a:uFillTx/>
+                <a:latin typeface="+mj-lt"/>
+                <a:ea typeface="+mj-lt"/>
+                <a:cs typeface="+mj-lt"/>
+                <a:sym typeface="字魂58号-创中黑" panose="00000500000000000000" pitchFamily="2" charset="-122"/>
+              </a:rPr>
+              <a:t>“</a:t>
+            </a:r>
+            <a:endParaRPr lang="en-US" altLang="zh-CN" sz="1600" b="1" dirty="0">
               <a:solidFill>
                 <a:srgbClr val="000000"/>
               </a:solidFill>
               <a:uFillTx/>
-              <a:latin typeface="仿宋" panose="02010609060101010101" charset="-122"/>
-              <a:ea typeface="仿宋" panose="02010609060101010101" charset="-122"/>
-              <a:cs typeface="仿宋" panose="02010609060101010101" charset="-122"/>
+              <a:latin typeface="+mj-lt"/>
+              <a:ea typeface="+mj-lt"/>
+              <a:cs typeface="+mj-lt"/>
+              <a:sym typeface="字魂58号-创中黑" panose="00000500000000000000" pitchFamily="2" charset="-122"/>
+            </a:endParaRPr>
+          </a:p>
+        </p:txBody>
+      </p:sp>
+      <p:pic>
+        <p:nvPicPr>
+          <p:cNvPr id="4" name="图片 3" descr="bp"/>
+          <p:cNvPicPr>
+            <a:picLocks noChangeAspect="1"/>
+          </p:cNvPicPr>
+          <p:nvPr/>
+        </p:nvPicPr>
+        <p:blipFill>
+          <a:blip r:embed="rId3"/>
+          <a:stretch>
+            <a:fillRect/>
+          </a:stretch>
+        </p:blipFill>
+        <p:spPr>
+          <a:xfrm>
+            <a:off x="4503420" y="1918970"/>
+            <a:ext cx="3528060" cy="2394585"/>
+          </a:xfrm>
+          <a:prstGeom prst="rect">
+            <a:avLst/>
+          </a:prstGeom>
+        </p:spPr>
+      </p:pic>
+      <p:sp>
+        <p:nvSpPr>
+          <p:cNvPr id="5" name="文本框 22"/>
+          <p:cNvSpPr txBox="1"/>
+          <p:nvPr/>
+        </p:nvSpPr>
+        <p:spPr>
+          <a:xfrm>
+            <a:off x="4582160" y="5450840"/>
+            <a:ext cx="3466465" cy="526415"/>
+          </a:xfrm>
+          <a:prstGeom prst="rect">
+            <a:avLst/>
+          </a:prstGeom>
+          <a:noFill/>
+        </p:spPr>
+        <p:txBody>
+          <a:bodyPr wrap="square" lIns="0" tIns="0" rIns="0" bIns="0" anchor="ctr" anchorCtr="1">
+            <a:noAutofit/>
+          </a:bodyPr>
+          <a:p>
+            <a:pPr algn="l" defTabSz="815340" fontAlgn="auto">
+              <a:lnSpc>
+                <a:spcPts val="2500"/>
+              </a:lnSpc>
+              <a:defRPr/>
+            </a:pPr>
+            <a:r>
+              <a:rPr lang="en-US" altLang="zh-CN" sz="1600" b="1" dirty="0">
+                <a:solidFill>
+                  <a:srgbClr val="000000"/>
+                </a:solidFill>
+                <a:uFillTx/>
+                <a:latin typeface="+mj-lt"/>
+                <a:ea typeface="+mj-lt"/>
+                <a:cs typeface="+mj-lt"/>
+                <a:sym typeface="字魂58号-创中黑" panose="00000500000000000000" pitchFamily="2" charset="-122"/>
+              </a:rPr>
+              <a:t>P. Werbos </a:t>
+            </a:r>
+            <a:r>
+              <a:rPr lang="zh-CN" altLang="en-US" sz="1600" b="1" dirty="0">
+                <a:solidFill>
+                  <a:srgbClr val="000000"/>
+                </a:solidFill>
+                <a:uFillTx/>
+                <a:latin typeface="+mj-lt"/>
+                <a:ea typeface="+mj-lt"/>
+                <a:cs typeface="+mj-lt"/>
+                <a:sym typeface="字魂58号-创中黑" panose="00000500000000000000" pitchFamily="2" charset="-122"/>
+              </a:rPr>
+              <a:t>基于神经网络层次</a:t>
+            </a:r>
+            <a:r>
+              <a:rPr lang="zh-CN" altLang="en-US" sz="1600" b="1" dirty="0">
+                <a:solidFill>
+                  <a:srgbClr val="000000"/>
+                </a:solidFill>
+                <a:uFillTx/>
+                <a:latin typeface="+mj-lt"/>
+                <a:ea typeface="+mj-lt"/>
+                <a:cs typeface="+mj-lt"/>
+                <a:sym typeface="字魂58号-创中黑" panose="00000500000000000000" pitchFamily="2" charset="-122"/>
+              </a:rPr>
+              <a:t>结构特</a:t>
+            </a:r>
+            <a:r>
+              <a:rPr lang="zh-CN" altLang="en-US" sz="1600" b="1" dirty="0">
+                <a:solidFill>
+                  <a:srgbClr val="000000"/>
+                </a:solidFill>
+                <a:uFillTx/>
+                <a:latin typeface="+mj-lt"/>
+                <a:ea typeface="+mj-lt"/>
+                <a:cs typeface="+mj-lt"/>
+                <a:sym typeface="字魂58号-创中黑" panose="00000500000000000000" pitchFamily="2" charset="-122"/>
+              </a:rPr>
+              <a:t>点提出</a:t>
+            </a:r>
+            <a:r>
+              <a:rPr lang="en-US" altLang="zh-CN" sz="1600" b="1" dirty="0">
+                <a:solidFill>
+                  <a:srgbClr val="000000"/>
+                </a:solidFill>
+                <a:uFillTx/>
+                <a:latin typeface="+mj-lt"/>
+                <a:ea typeface="+mj-lt"/>
+                <a:cs typeface="+mj-lt"/>
+                <a:sym typeface="字魂58号-创中黑" panose="00000500000000000000" pitchFamily="2" charset="-122"/>
+              </a:rPr>
+              <a:t>BP</a:t>
+            </a:r>
+            <a:r>
+              <a:rPr lang="zh-CN" altLang="en-US" sz="1600" b="1" dirty="0">
+                <a:solidFill>
+                  <a:srgbClr val="000000"/>
+                </a:solidFill>
+                <a:uFillTx/>
+                <a:latin typeface="+mj-lt"/>
+                <a:ea typeface="+mj-lt"/>
+                <a:cs typeface="+mj-lt"/>
+                <a:sym typeface="字魂58号-创中黑" panose="00000500000000000000" pitchFamily="2" charset="-122"/>
+              </a:rPr>
+              <a:t>算法，主要思想是使用链式法则求导</a:t>
+            </a:r>
+            <a:r>
+              <a:rPr lang="zh-CN" altLang="en-US" sz="1600" b="1" dirty="0">
+                <a:solidFill>
+                  <a:srgbClr val="000000"/>
+                </a:solidFill>
+                <a:uFillTx/>
+                <a:latin typeface="+mj-lt"/>
+                <a:ea typeface="+mj-lt"/>
+                <a:cs typeface="+mj-lt"/>
+                <a:sym typeface="字魂58号-创中黑" panose="00000500000000000000" pitchFamily="2" charset="-122"/>
+              </a:rPr>
+              <a:t>等方法，衡量和反馈误差传播的过程，以调整各层</a:t>
+            </a:r>
+            <a:r>
+              <a:rPr lang="zh-CN" altLang="en-US" sz="1600" b="1" dirty="0">
+                <a:solidFill>
+                  <a:srgbClr val="000000"/>
+                </a:solidFill>
+                <a:uFillTx/>
+                <a:latin typeface="+mj-lt"/>
+                <a:ea typeface="+mj-lt"/>
+                <a:cs typeface="+mj-lt"/>
+                <a:sym typeface="字魂58号-创中黑" panose="00000500000000000000" pitchFamily="2" charset="-122"/>
+              </a:rPr>
+              <a:t>间神经元权重</a:t>
+            </a:r>
+            <a:r>
+              <a:rPr lang="zh-CN" altLang="en-US" sz="1600" b="1" dirty="0">
+                <a:solidFill>
+                  <a:srgbClr val="000000"/>
+                </a:solidFill>
+                <a:uFillTx/>
+                <a:latin typeface="+mj-lt"/>
+                <a:ea typeface="+mj-lt"/>
+                <a:cs typeface="+mj-lt"/>
+                <a:sym typeface="字魂58号-创中黑" panose="00000500000000000000" pitchFamily="2" charset="-122"/>
+              </a:rPr>
+              <a:t>参数</a:t>
+            </a:r>
+            <a:endParaRPr lang="zh-CN" altLang="en-US" sz="1600" b="1" dirty="0">
+              <a:solidFill>
+                <a:srgbClr val="000000"/>
+              </a:solidFill>
+              <a:uFillTx/>
+              <a:latin typeface="+mj-lt"/>
+              <a:ea typeface="+mj-lt"/>
+              <a:cs typeface="+mj-lt"/>
+              <a:sym typeface="字魂58号-创中黑" panose="00000500000000000000" pitchFamily="2" charset="-122"/>
+            </a:endParaRPr>
+          </a:p>
+        </p:txBody>
+      </p:sp>
+      <p:cxnSp>
+        <p:nvCxnSpPr>
+          <p:cNvPr id="6" name="直接箭头连接符 5"/>
+          <p:cNvCxnSpPr/>
+          <p:nvPr/>
+        </p:nvCxnSpPr>
+        <p:spPr>
+          <a:xfrm flipV="1">
+            <a:off x="3928110" y="3063875"/>
+            <a:ext cx="436245" cy="635"/>
+          </a:xfrm>
+          <a:prstGeom prst="straightConnector1">
+            <a:avLst/>
+          </a:prstGeom>
+          <a:ln>
+            <a:tailEnd type="arrow"/>
+          </a:ln>
+        </p:spPr>
+        <p:style>
+          <a:lnRef idx="1">
+            <a:schemeClr val="accent1"/>
+          </a:lnRef>
+          <a:fillRef idx="0">
+            <a:schemeClr val="accent1"/>
+          </a:fillRef>
+          <a:effectRef idx="0">
+            <a:schemeClr val="accent1"/>
+          </a:effectRef>
+          <a:fontRef idx="minor">
+            <a:schemeClr val="tx1"/>
+          </a:fontRef>
+        </p:style>
+      </p:cxnSp>
+      <p:pic>
+        <p:nvPicPr>
+          <p:cNvPr id="7" name="图片 6" descr="hopfield"/>
+          <p:cNvPicPr>
+            <a:picLocks noChangeAspect="1"/>
+          </p:cNvPicPr>
+          <p:nvPr/>
+        </p:nvPicPr>
+        <p:blipFill>
+          <a:blip r:embed="rId4"/>
+          <a:srcRect r="68088" b="-737"/>
+          <a:stretch>
+            <a:fillRect/>
+          </a:stretch>
+        </p:blipFill>
+        <p:spPr>
+          <a:xfrm>
+            <a:off x="8543925" y="1673860"/>
+            <a:ext cx="3458210" cy="2906395"/>
+          </a:xfrm>
+          <a:prstGeom prst="rect">
+            <a:avLst/>
+          </a:prstGeom>
+        </p:spPr>
+      </p:pic>
+      <p:cxnSp>
+        <p:nvCxnSpPr>
+          <p:cNvPr id="8" name="直接箭头连接符 7"/>
+          <p:cNvCxnSpPr/>
+          <p:nvPr/>
+        </p:nvCxnSpPr>
+        <p:spPr>
+          <a:xfrm flipV="1">
+            <a:off x="7962900" y="3063240"/>
+            <a:ext cx="436245" cy="635"/>
+          </a:xfrm>
+          <a:prstGeom prst="straightConnector1">
+            <a:avLst/>
+          </a:prstGeom>
+          <a:ln>
+            <a:tailEnd type="arrow"/>
+          </a:ln>
+        </p:spPr>
+        <p:style>
+          <a:lnRef idx="1">
+            <a:schemeClr val="accent1"/>
+          </a:lnRef>
+          <a:fillRef idx="0">
+            <a:schemeClr val="accent1"/>
+          </a:fillRef>
+          <a:effectRef idx="0">
+            <a:schemeClr val="accent1"/>
+          </a:effectRef>
+          <a:fontRef idx="minor">
+            <a:schemeClr val="tx1"/>
+          </a:fontRef>
+        </p:style>
+      </p:cxnSp>
+      <p:sp>
+        <p:nvSpPr>
+          <p:cNvPr id="9" name="文本框 22"/>
+          <p:cNvSpPr txBox="1"/>
+          <p:nvPr/>
+        </p:nvSpPr>
+        <p:spPr>
+          <a:xfrm>
+            <a:off x="8427720" y="5443855"/>
+            <a:ext cx="3466465" cy="526415"/>
+          </a:xfrm>
+          <a:prstGeom prst="rect">
+            <a:avLst/>
+          </a:prstGeom>
+          <a:noFill/>
+        </p:spPr>
+        <p:txBody>
+          <a:bodyPr wrap="square" lIns="0" tIns="0" rIns="0" bIns="0" anchor="ctr" anchorCtr="1">
+            <a:noAutofit/>
+          </a:bodyPr>
+          <a:p>
+            <a:pPr algn="l" defTabSz="815340" fontAlgn="auto">
+              <a:lnSpc>
+                <a:spcPts val="2500"/>
+              </a:lnSpc>
+              <a:defRPr/>
+            </a:pPr>
+            <a:r>
+              <a:rPr lang="en-US" sz="1600" b="1" dirty="0">
+                <a:solidFill>
+                  <a:srgbClr val="000000"/>
+                </a:solidFill>
+                <a:uFillTx/>
+                <a:latin typeface="+mj-lt"/>
+                <a:ea typeface="+mj-lt"/>
+                <a:cs typeface="+mj-lt"/>
+                <a:sym typeface="字魂58号-创中黑" panose="00000500000000000000" pitchFamily="2" charset="-122"/>
+              </a:rPr>
+              <a:t>J. J. Hopfield </a:t>
+            </a:r>
+            <a:r>
+              <a:rPr lang="zh-CN" altLang="en-US" sz="1600" b="1" dirty="0">
+                <a:solidFill>
+                  <a:srgbClr val="000000"/>
+                </a:solidFill>
+                <a:uFillTx/>
+                <a:latin typeface="+mj-lt"/>
+                <a:ea typeface="+mj-lt"/>
+                <a:cs typeface="+mj-lt"/>
+                <a:sym typeface="字魂58号-创中黑" panose="00000500000000000000" pitchFamily="2" charset="-122"/>
+              </a:rPr>
+              <a:t>基于神经动力学的概念，证明将学习视为函数映射，在若干次递归（学习）后可</a:t>
+            </a:r>
+            <a:r>
+              <a:rPr lang="zh-CN" altLang="en-US" sz="1600" b="1" dirty="0">
+                <a:solidFill>
+                  <a:srgbClr val="000000"/>
+                </a:solidFill>
+                <a:uFillTx/>
+                <a:latin typeface="+mj-lt"/>
+                <a:ea typeface="+mj-lt"/>
+                <a:cs typeface="+mj-lt"/>
+                <a:sym typeface="字魂58号-创中黑" panose="00000500000000000000" pitchFamily="2" charset="-122"/>
+              </a:rPr>
+              <a:t>能达到网络输出的稳态（可类比于函数中的不动点</a:t>
+            </a:r>
+            <a:r>
+              <a:rPr lang="zh-CN" altLang="en-US" sz="1600" b="1" dirty="0">
+                <a:solidFill>
+                  <a:srgbClr val="000000"/>
+                </a:solidFill>
+                <a:uFillTx/>
+                <a:latin typeface="+mj-lt"/>
+                <a:ea typeface="+mj-lt"/>
+                <a:cs typeface="+mj-lt"/>
+                <a:sym typeface="字魂58号-创中黑" panose="00000500000000000000" pitchFamily="2" charset="-122"/>
+              </a:rPr>
+              <a:t>取值附近）</a:t>
+            </a:r>
+            <a:endParaRPr lang="zh-CN" altLang="en-US" sz="1600" b="1" dirty="0">
+              <a:solidFill>
+                <a:srgbClr val="000000"/>
+              </a:solidFill>
+              <a:uFillTx/>
+              <a:latin typeface="+mj-lt"/>
+              <a:ea typeface="+mj-lt"/>
+              <a:cs typeface="+mj-lt"/>
+              <a:sym typeface="字魂58号-创中黑" panose="00000500000000000000" pitchFamily="2" charset="-122"/>
+            </a:endParaRPr>
+          </a:p>
+        </p:txBody>
+      </p:sp>
+    </p:spTree>
+  </p:cSld>
+  <p:clrMapOvr>
+    <a:masterClrMapping/>
+  </p:clrMapOvr>
+  <mc:AlternateContent xmlns:mc="http://schemas.openxmlformats.org/markup-compatibility/2006">
+    <mc:Choice xmlns:p14="http://schemas.microsoft.com/office/powerpoint/2010/main" Requires="p14">
+      <p:transition spd="slow" p14:dur="1500" advTm="3000">
+        <p:split orient="vert"/>
+      </p:transition>
+    </mc:Choice>
+    <mc:Fallback>
+      <p:transition spd="slow" advTm="3000">
+        <p:split orient="vert"/>
+      </p:transition>
+    </mc:Fallback>
+  </mc:AlternateContent>
+  <p:timing>
+    <p:tnLst>
+      <p:par>
+        <p:cTn id="1" dur="indefinite" restart="never" nodeType="tmRoot">
+          <p:childTnLst>
+            <p:seq concurrent="1" nextAc="seek">
+              <p:cTn id="2" dur="indefinite" nodeType="mainSeq">
+                <p:childTnLst>
+                  <p:par>
+                    <p:cTn id="3" fill="hold">
+                      <p:stCondLst>
+                        <p:cond delay="indefinite"/>
+                        <p:cond evt="onBegin" delay="0">
+                          <p:tn val="2"/>
+                        </p:cond>
+                      </p:stCondLst>
+                      <p:childTnLst>
+                        <p:par>
+                          <p:cTn id="4" fill="hold">
+                            <p:stCondLst>
+                              <p:cond delay="0"/>
+                            </p:stCondLst>
+                            <p:childTnLst>
+                              <p:par>
+                                <p:cTn id="5" presetID="2" presetClass="entr" presetSubtype="1" accel="20000" decel="80000" fill="hold" nodeType="withEffect">
+                                  <p:stCondLst>
+                                    <p:cond delay="0"/>
+                                  </p:stCondLst>
+                                  <p:childTnLst>
+                                    <p:set>
+                                      <p:cBhvr>
+                                        <p:cTn id="6" dur="1" fill="hold">
+                                          <p:stCondLst>
+                                            <p:cond delay="0"/>
+                                          </p:stCondLst>
+                                        </p:cTn>
+                                        <p:tgtEl>
+                                          <p:spTgt spid="21"/>
+                                        </p:tgtEl>
+                                        <p:attrNameLst>
+                                          <p:attrName>style.visibility</p:attrName>
+                                        </p:attrNameLst>
+                                      </p:cBhvr>
+                                      <p:to>
+                                        <p:strVal val="visible"/>
+                                      </p:to>
+                                    </p:set>
+                                    <p:anim calcmode="lin" valueType="num">
+                                      <p:cBhvr additive="base">
+                                        <p:cTn id="7" dur="500" fill="hold"/>
+                                        <p:tgtEl>
+                                          <p:spTgt spid="21"/>
+                                        </p:tgtEl>
+                                        <p:attrNameLst>
+                                          <p:attrName>ppt_x</p:attrName>
+                                        </p:attrNameLst>
+                                      </p:cBhvr>
+                                      <p:tavLst>
+                                        <p:tav tm="0">
+                                          <p:val>
+                                            <p:strVal val="#ppt_x"/>
+                                          </p:val>
+                                        </p:tav>
+                                        <p:tav tm="100000">
+                                          <p:val>
+                                            <p:strVal val="#ppt_x"/>
+                                          </p:val>
+                                        </p:tav>
+                                      </p:tavLst>
+                                    </p:anim>
+                                    <p:anim calcmode="lin" valueType="num">
+                                      <p:cBhvr additive="base">
+                                        <p:cTn id="8" dur="500" fill="hold"/>
+                                        <p:tgtEl>
+                                          <p:spTgt spid="21"/>
+                                        </p:tgtEl>
+                                        <p:attrNameLst>
+                                          <p:attrName>ppt_y</p:attrName>
+                                        </p:attrNameLst>
+                                      </p:cBhvr>
+                                      <p:tavLst>
+                                        <p:tav tm="0">
+                                          <p:val>
+                                            <p:strVal val="0-#ppt_h/2"/>
+                                          </p:val>
+                                        </p:tav>
+                                        <p:tav tm="100000">
+                                          <p:val>
+                                            <p:strVal val="#ppt_y"/>
+                                          </p:val>
+                                        </p:tav>
+                                      </p:tavLst>
+                                    </p:anim>
+                                  </p:childTnLst>
+                                </p:cTn>
+                              </p:par>
+                            </p:childTnLst>
+                          </p:cTn>
+                        </p:par>
+                      </p:childTnLst>
+                    </p:cTn>
+                  </p:par>
+                </p:childTnLst>
+              </p:cTn>
+              <p:prevCondLst>
+                <p:cond evt="onPrev" delay="0">
+                  <p:tgtEl>
+                    <p:sldTgt/>
+                  </p:tgtEl>
+                </p:cond>
+              </p:prevCondLst>
+              <p:nextCondLst>
+                <p:cond evt="onNext" delay="0">
+                  <p:tgtEl>
+                    <p:sldTgt/>
+                  </p:tgtEl>
+                </p:cond>
+              </p:nextCondLst>
+            </p:seq>
+          </p:childTnLst>
+        </p:cTn>
+      </p:par>
+    </p:tnLst>
+  </p:timing>
+</p:sld>
+</file>
+
+<file path=ppt/slides/slide8.xml><?xml version="1.0" encoding="utf-8"?>
+<p:sld xmlns:a="http://schemas.openxmlformats.org/drawingml/2006/main" xmlns:r="http://schemas.openxmlformats.org/officeDocument/2006/relationships" xmlns:p="http://schemas.openxmlformats.org/presentationml/2006/main">
+  <p:cSld>
+    <p:spTree>
+      <p:nvGrpSpPr>
+        <p:cNvPr id="1" name=""/>
+        <p:cNvGrpSpPr/>
+        <p:nvPr/>
+      </p:nvGrpSpPr>
+      <p:grpSpPr>
+        <a:xfrm>
+          <a:off x="0" y="0"/>
+          <a:ext cx="0" cy="0"/>
+          <a:chOff x="0" y="0"/>
+          <a:chExt cx="0" cy="0"/>
+        </a:xfrm>
+      </p:grpSpPr>
+      <p:cxnSp>
+        <p:nvCxnSpPr>
+          <p:cNvPr id="14" name="直接连接符 13"/>
+          <p:cNvCxnSpPr/>
+          <p:nvPr/>
+        </p:nvCxnSpPr>
+        <p:spPr>
+          <a:xfrm>
+            <a:off x="0" y="635000"/>
+            <a:ext cx="4229100" cy="0"/>
+          </a:xfrm>
+          <a:prstGeom prst="line">
+            <a:avLst/>
+          </a:prstGeom>
+          <a:ln>
+            <a:solidFill>
+              <a:srgbClr val="E3CAB4"/>
+            </a:solidFill>
+            <a:tailEnd type="oval"/>
+          </a:ln>
+        </p:spPr>
+        <p:style>
+          <a:lnRef idx="1">
+            <a:schemeClr val="accent1"/>
+          </a:lnRef>
+          <a:fillRef idx="0">
+            <a:schemeClr val="accent1"/>
+          </a:fillRef>
+          <a:effectRef idx="0">
+            <a:schemeClr val="accent1"/>
+          </a:effectRef>
+          <a:fontRef idx="minor">
+            <a:schemeClr val="tx1"/>
+          </a:fontRef>
+        </p:style>
+      </p:cxnSp>
+      <p:cxnSp>
+        <p:nvCxnSpPr>
+          <p:cNvPr id="15" name="直接连接符 14"/>
+          <p:cNvCxnSpPr/>
+          <p:nvPr/>
+        </p:nvCxnSpPr>
+        <p:spPr>
+          <a:xfrm>
+            <a:off x="7962900" y="635000"/>
+            <a:ext cx="4229100" cy="0"/>
+          </a:xfrm>
+          <a:prstGeom prst="line">
+            <a:avLst/>
+          </a:prstGeom>
+          <a:ln>
+            <a:solidFill>
+              <a:srgbClr val="E3CAB4"/>
+            </a:solidFill>
+            <a:headEnd type="oval"/>
+            <a:tailEnd type="none"/>
+          </a:ln>
+        </p:spPr>
+        <p:style>
+          <a:lnRef idx="1">
+            <a:schemeClr val="accent1"/>
+          </a:lnRef>
+          <a:fillRef idx="0">
+            <a:schemeClr val="accent1"/>
+          </a:fillRef>
+          <a:effectRef idx="0">
+            <a:schemeClr val="accent1"/>
+          </a:effectRef>
+          <a:fontRef idx="minor">
+            <a:schemeClr val="tx1"/>
+          </a:fontRef>
+        </p:style>
+      </p:cxnSp>
+      <p:sp>
+        <p:nvSpPr>
+          <p:cNvPr id="16" name="文本框 15"/>
+          <p:cNvSpPr txBox="1"/>
+          <p:nvPr/>
+        </p:nvSpPr>
+        <p:spPr>
+          <a:xfrm>
+            <a:off x="5191761" y="345292"/>
+            <a:ext cx="1808480" cy="583565"/>
+          </a:xfrm>
+          <a:prstGeom prst="rect">
+            <a:avLst/>
+          </a:prstGeom>
+          <a:noFill/>
+        </p:spPr>
+        <p:txBody>
+          <a:bodyPr wrap="none" rtlCol="0">
+            <a:spAutoFit/>
+            <a:scene3d>
+              <a:camera prst="orthographicFront"/>
+              <a:lightRig rig="threePt" dir="t"/>
+            </a:scene3d>
+            <a:sp3d contourW="12700"/>
+          </a:bodyPr>
+          <a:lstStyle/>
+          <a:p>
+            <a:pPr algn="ctr"/>
+            <a:r>
+              <a:rPr lang="zh-CN" altLang="en-US" sz="3200" dirty="0">
+                <a:ea typeface="字魂58号-创中黑" panose="00000500000000000000" pitchFamily="2" charset="-122"/>
+                <a:sym typeface="字魂58号-创中黑" panose="00000500000000000000" pitchFamily="2" charset="-122"/>
+              </a:rPr>
+              <a:t>相关工作</a:t>
+            </a:r>
+            <a:endParaRPr lang="zh-CN" altLang="en-US" sz="3200" dirty="0">
+              <a:ea typeface="字魂58号-创中黑" panose="00000500000000000000" pitchFamily="2" charset="-122"/>
+              <a:sym typeface="字魂58号-创中黑" panose="00000500000000000000" pitchFamily="2" charset="-122"/>
+            </a:endParaRPr>
+          </a:p>
+        </p:txBody>
+      </p:sp>
+      <p:grpSp>
+        <p:nvGrpSpPr>
+          <p:cNvPr id="21" name="Group 9"/>
+          <p:cNvGrpSpPr/>
+          <p:nvPr/>
+        </p:nvGrpSpPr>
+        <p:grpSpPr>
+          <a:xfrm>
+            <a:off x="927100" y="1102360"/>
+            <a:ext cx="3354705" cy="655955"/>
+            <a:chOff x="569584" y="2265537"/>
+            <a:chExt cx="2353491" cy="2141018"/>
+          </a:xfrm>
+          <a:solidFill>
+            <a:srgbClr val="E3CAB4"/>
+          </a:solidFill>
+        </p:grpSpPr>
+        <p:sp>
+          <p:nvSpPr>
+            <p:cNvPr id="22" name="Rounded Rectangle 7"/>
+            <p:cNvSpPr/>
+            <p:nvPr/>
+          </p:nvSpPr>
+          <p:spPr>
+            <a:xfrm>
+              <a:off x="569584" y="2265537"/>
+              <a:ext cx="2353491" cy="1472188"/>
+            </a:xfrm>
+            <a:prstGeom prst="roundRect">
+              <a:avLst>
+                <a:gd name="adj" fmla="val 10163"/>
+              </a:avLst>
+            </a:prstGeom>
+            <a:grpFill/>
+            <a:ln>
+              <a:noFill/>
+            </a:ln>
+          </p:spPr>
+          <p:style>
+            <a:lnRef idx="2">
+              <a:schemeClr val="accent1">
+                <a:shade val="50000"/>
+              </a:schemeClr>
+            </a:lnRef>
+            <a:fillRef idx="1">
+              <a:schemeClr val="accent1"/>
+            </a:fillRef>
+            <a:effectRef idx="0">
+              <a:schemeClr val="accent1"/>
+            </a:effectRef>
+            <a:fontRef idx="minor">
+              <a:schemeClr val="lt1"/>
+            </a:fontRef>
+          </p:style>
+          <p:txBody>
+            <a:bodyPr rtlCol="0" anchor="ctr"/>
+            <a:lstStyle/>
+            <a:p>
+              <a:pPr algn="ctr"/>
+              <a:r>
+                <a:rPr lang="zh-CN" altLang="en-US" sz="1355">
+                  <a:ea typeface="字魂58号-创中黑" panose="00000500000000000000" pitchFamily="2" charset="-122"/>
+                  <a:cs typeface="+mn-lt"/>
+                  <a:sym typeface="字魂58号-创中黑" panose="00000500000000000000" pitchFamily="2" charset="-122"/>
+                </a:rPr>
+                <a:t>全连接神经网络以及卷积</a:t>
+              </a:r>
+              <a:r>
+                <a:rPr lang="zh-CN" altLang="en-US" sz="1355">
+                  <a:ea typeface="字魂58号-创中黑" panose="00000500000000000000" pitchFamily="2" charset="-122"/>
+                  <a:cs typeface="+mn-lt"/>
+                  <a:sym typeface="字魂58号-创中黑" panose="00000500000000000000" pitchFamily="2" charset="-122"/>
+                </a:rPr>
+                <a:t>神经网络</a:t>
+              </a:r>
+              <a:endParaRPr lang="zh-CN" altLang="en-US" sz="1355">
+                <a:ea typeface="字魂58号-创中黑" panose="00000500000000000000" pitchFamily="2" charset="-122"/>
+                <a:cs typeface="+mn-lt"/>
+                <a:sym typeface="字魂58号-创中黑" panose="00000500000000000000" pitchFamily="2" charset="-122"/>
+              </a:endParaRPr>
+            </a:p>
+          </p:txBody>
+        </p:sp>
+        <p:sp>
+          <p:nvSpPr>
+            <p:cNvPr id="23" name="Isosceles Triangle 8"/>
+            <p:cNvSpPr/>
+            <p:nvPr/>
+          </p:nvSpPr>
+          <p:spPr>
+            <a:xfrm rot="10800000">
+              <a:off x="1100500" y="4155191"/>
+              <a:ext cx="510637" cy="251364"/>
+            </a:xfrm>
+            <a:prstGeom prst="triangle">
+              <a:avLst/>
+            </a:prstGeom>
+            <a:grpFill/>
+            <a:ln>
+              <a:noFill/>
+            </a:ln>
+          </p:spPr>
+          <p:style>
+            <a:lnRef idx="2">
+              <a:schemeClr val="accent1">
+                <a:shade val="50000"/>
+              </a:schemeClr>
+            </a:lnRef>
+            <a:fillRef idx="1">
+              <a:schemeClr val="accent1"/>
+            </a:fillRef>
+            <a:effectRef idx="0">
+              <a:schemeClr val="accent1"/>
+            </a:effectRef>
+            <a:fontRef idx="minor">
+              <a:schemeClr val="lt1"/>
+            </a:fontRef>
+          </p:style>
+          <p:txBody>
+            <a:bodyPr rtlCol="0" anchor="ctr"/>
+            <a:lstStyle/>
+            <a:p>
+              <a:pPr algn="ctr"/>
+              <a:endParaRPr lang="en-US" sz="1355">
+                <a:ea typeface="字魂58号-创中黑" panose="00000500000000000000" pitchFamily="2" charset="-122"/>
+                <a:cs typeface="+mn-lt"/>
+                <a:sym typeface="字魂58号-创中黑" panose="00000500000000000000" pitchFamily="2" charset="-122"/>
+              </a:endParaRPr>
+            </a:p>
+          </p:txBody>
+        </p:sp>
+      </p:grpSp>
+      <p:pic>
+        <p:nvPicPr>
+          <p:cNvPr id="2" name="图片 1" descr="duoceng"/>
+          <p:cNvPicPr>
+            <a:picLocks noChangeAspect="1"/>
+          </p:cNvPicPr>
+          <p:nvPr/>
+        </p:nvPicPr>
+        <p:blipFill>
+          <a:blip r:embed="rId1"/>
+          <a:stretch>
+            <a:fillRect/>
+          </a:stretch>
+        </p:blipFill>
+        <p:spPr>
+          <a:xfrm>
+            <a:off x="531495" y="2020570"/>
+            <a:ext cx="4145915" cy="2034540"/>
+          </a:xfrm>
+          <a:prstGeom prst="rect">
+            <a:avLst/>
+          </a:prstGeom>
+        </p:spPr>
+      </p:pic>
+      <p:sp>
+        <p:nvSpPr>
+          <p:cNvPr id="4" name="文本框 22"/>
+          <p:cNvSpPr txBox="1"/>
+          <p:nvPr/>
+        </p:nvSpPr>
+        <p:spPr>
+          <a:xfrm>
+            <a:off x="666115" y="4921250"/>
+            <a:ext cx="3876675" cy="526415"/>
+          </a:xfrm>
+          <a:prstGeom prst="rect">
+            <a:avLst/>
+          </a:prstGeom>
+          <a:noFill/>
+        </p:spPr>
+        <p:txBody>
+          <a:bodyPr wrap="square" lIns="0" tIns="0" rIns="0" bIns="0" anchor="ctr" anchorCtr="1">
+            <a:noAutofit/>
+          </a:bodyPr>
+          <a:p>
+            <a:pPr algn="l" defTabSz="815340" fontAlgn="auto">
+              <a:lnSpc>
+                <a:spcPts val="2500"/>
+              </a:lnSpc>
+              <a:defRPr/>
+            </a:pPr>
+            <a:r>
+              <a:rPr lang="zh-CN" altLang="en-US" sz="1600" b="1" dirty="0">
+                <a:solidFill>
+                  <a:srgbClr val="000000"/>
+                </a:solidFill>
+                <a:uFillTx/>
+                <a:latin typeface="+mj-lt"/>
+                <a:ea typeface="+mj-lt"/>
+                <a:cs typeface="+mj-lt"/>
+                <a:sym typeface="字魂58号-创中黑" panose="00000500000000000000" pitchFamily="2" charset="-122"/>
+              </a:rPr>
+              <a:t>虽然足够层数的神经元层网络（或称全连接</a:t>
+            </a:r>
+            <a:r>
+              <a:rPr lang="zh-CN" altLang="en-US" sz="1600" b="1" dirty="0">
+                <a:solidFill>
+                  <a:srgbClr val="000000"/>
+                </a:solidFill>
+                <a:uFillTx/>
+                <a:latin typeface="+mj-lt"/>
+                <a:ea typeface="+mj-lt"/>
+                <a:cs typeface="+mj-lt"/>
+                <a:sym typeface="字魂58号-创中黑" panose="00000500000000000000" pitchFamily="2" charset="-122"/>
+              </a:rPr>
+              <a:t>网络）理论上可以以任意程度逼近任意映射，但是因为参数规模</a:t>
+            </a:r>
+            <a:r>
+              <a:rPr lang="zh-CN" altLang="en-US" sz="1600" b="1" dirty="0">
+                <a:solidFill>
+                  <a:srgbClr val="000000"/>
+                </a:solidFill>
+                <a:uFillTx/>
+                <a:latin typeface="+mj-lt"/>
+                <a:ea typeface="+mj-lt"/>
+                <a:cs typeface="+mj-lt"/>
+                <a:sym typeface="字魂58号-创中黑" panose="00000500000000000000" pitchFamily="2" charset="-122"/>
+              </a:rPr>
+              <a:t>等因素，这个</a:t>
+            </a:r>
+            <a:r>
+              <a:rPr lang="zh-CN" altLang="en-US" sz="1600" b="1" dirty="0">
+                <a:solidFill>
+                  <a:srgbClr val="000000"/>
+                </a:solidFill>
+                <a:uFillTx/>
+                <a:latin typeface="+mj-lt"/>
+                <a:ea typeface="+mj-lt"/>
+                <a:cs typeface="+mj-lt"/>
+                <a:sym typeface="字魂58号-创中黑" panose="00000500000000000000" pitchFamily="2" charset="-122"/>
+              </a:rPr>
+              <a:t>模拟过程可能效率极差</a:t>
+            </a:r>
+            <a:r>
+              <a:rPr lang="zh-CN" altLang="en-US" sz="1600" b="1" dirty="0">
+                <a:solidFill>
+                  <a:srgbClr val="000000"/>
+                </a:solidFill>
+                <a:uFillTx/>
+                <a:latin typeface="+mj-lt"/>
+                <a:ea typeface="+mj-lt"/>
+                <a:cs typeface="+mj-lt"/>
+                <a:sym typeface="字魂58号-创中黑" panose="00000500000000000000" pitchFamily="2" charset="-122"/>
+              </a:rPr>
+              <a:t>甚至失败</a:t>
+            </a:r>
+            <a:endParaRPr lang="zh-CN" altLang="en-US" sz="1600" b="1" dirty="0">
+              <a:solidFill>
+                <a:srgbClr val="000000"/>
+              </a:solidFill>
+              <a:uFillTx/>
+              <a:latin typeface="+mj-lt"/>
+              <a:ea typeface="+mj-lt"/>
+              <a:cs typeface="+mj-lt"/>
+              <a:sym typeface="字魂58号-创中黑" panose="00000500000000000000" pitchFamily="2" charset="-122"/>
+            </a:endParaRPr>
+          </a:p>
+        </p:txBody>
+      </p:sp>
+      <p:cxnSp>
+        <p:nvCxnSpPr>
+          <p:cNvPr id="6" name="直接箭头连接符 5"/>
+          <p:cNvCxnSpPr/>
+          <p:nvPr/>
+        </p:nvCxnSpPr>
+        <p:spPr>
+          <a:xfrm flipV="1">
+            <a:off x="4755515" y="3094990"/>
+            <a:ext cx="436245" cy="635"/>
+          </a:xfrm>
+          <a:prstGeom prst="straightConnector1">
+            <a:avLst/>
+          </a:prstGeom>
+          <a:ln>
+            <a:tailEnd type="arrow"/>
+          </a:ln>
+        </p:spPr>
+        <p:style>
+          <a:lnRef idx="1">
+            <a:schemeClr val="accent1"/>
+          </a:lnRef>
+          <a:fillRef idx="0">
+            <a:schemeClr val="accent1"/>
+          </a:fillRef>
+          <a:effectRef idx="0">
+            <a:schemeClr val="accent1"/>
+          </a:effectRef>
+          <a:fontRef idx="minor">
+            <a:schemeClr val="tx1"/>
+          </a:fontRef>
+        </p:style>
+      </p:cxnSp>
+      <p:pic>
+        <p:nvPicPr>
+          <p:cNvPr id="3" name="图片 2" descr="lenet"/>
+          <p:cNvPicPr>
+            <a:picLocks noChangeAspect="1"/>
+          </p:cNvPicPr>
+          <p:nvPr/>
+        </p:nvPicPr>
+        <p:blipFill>
+          <a:blip r:embed="rId2"/>
+          <a:stretch>
+            <a:fillRect/>
+          </a:stretch>
+        </p:blipFill>
+        <p:spPr>
+          <a:xfrm>
+            <a:off x="5358765" y="2183765"/>
+            <a:ext cx="6566535" cy="1871345"/>
+          </a:xfrm>
+          <a:prstGeom prst="rect">
+            <a:avLst/>
+          </a:prstGeom>
+        </p:spPr>
+      </p:pic>
+      <p:sp>
+        <p:nvSpPr>
+          <p:cNvPr id="5" name="文本框 22"/>
+          <p:cNvSpPr txBox="1"/>
+          <p:nvPr/>
+        </p:nvSpPr>
+        <p:spPr>
+          <a:xfrm>
+            <a:off x="6122035" y="5010150"/>
+            <a:ext cx="3876675" cy="526415"/>
+          </a:xfrm>
+          <a:prstGeom prst="rect">
+            <a:avLst/>
+          </a:prstGeom>
+          <a:noFill/>
+        </p:spPr>
+        <p:txBody>
+          <a:bodyPr wrap="square" lIns="0" tIns="0" rIns="0" bIns="0" anchor="ctr" anchorCtr="1">
+            <a:noAutofit/>
+          </a:bodyPr>
+          <a:p>
+            <a:pPr algn="l" defTabSz="815340" fontAlgn="auto">
+              <a:lnSpc>
+                <a:spcPts val="2500"/>
+              </a:lnSpc>
+              <a:defRPr/>
+            </a:pPr>
+            <a:r>
+              <a:rPr lang="zh-CN" altLang="en-US" sz="1600" b="1" dirty="0">
+                <a:solidFill>
+                  <a:srgbClr val="000000"/>
+                </a:solidFill>
+                <a:uFillTx/>
+                <a:latin typeface="+mj-lt"/>
+                <a:ea typeface="+mj-lt"/>
+                <a:cs typeface="+mj-lt"/>
+                <a:sym typeface="字魂58号-创中黑" panose="00000500000000000000" pitchFamily="2" charset="-122"/>
+              </a:rPr>
+              <a:t>基于</a:t>
+            </a:r>
+            <a:r>
+              <a:rPr lang="en-US" altLang="zh-CN" sz="1600" b="1" dirty="0">
+                <a:solidFill>
+                  <a:srgbClr val="000000"/>
+                </a:solidFill>
+                <a:uFillTx/>
+                <a:latin typeface="+mj-lt"/>
+                <a:ea typeface="+mj-lt"/>
+                <a:cs typeface="+mj-lt"/>
+                <a:sym typeface="字魂58号-创中黑" panose="00000500000000000000" pitchFamily="2" charset="-122"/>
+              </a:rPr>
+              <a:t> K. Fukushima </a:t>
+            </a:r>
+            <a:r>
+              <a:rPr lang="zh-CN" altLang="en-US" sz="1600" b="1" dirty="0">
+                <a:solidFill>
+                  <a:srgbClr val="000000"/>
+                </a:solidFill>
+                <a:uFillTx/>
+                <a:latin typeface="+mj-lt"/>
+                <a:ea typeface="+mj-lt"/>
+                <a:cs typeface="+mj-lt"/>
+                <a:sym typeface="字魂58号-创中黑" panose="00000500000000000000" pitchFamily="2" charset="-122"/>
+              </a:rPr>
+              <a:t>提出的卷积、池化等概念，</a:t>
+            </a:r>
+            <a:r>
+              <a:rPr lang="en-US" altLang="zh-CN" sz="1600" b="1" dirty="0">
+                <a:solidFill>
+                  <a:srgbClr val="000000"/>
+                </a:solidFill>
+                <a:uFillTx/>
+                <a:latin typeface="+mj-lt"/>
+                <a:ea typeface="+mj-lt"/>
+                <a:cs typeface="+mj-lt"/>
+                <a:sym typeface="字魂58号-创中黑" panose="00000500000000000000" pitchFamily="2" charset="-122"/>
+              </a:rPr>
+              <a:t>Y. LeCun </a:t>
+            </a:r>
+            <a:r>
+              <a:rPr lang="zh-CN" altLang="en-US" sz="1600" b="1" dirty="0">
+                <a:solidFill>
+                  <a:srgbClr val="000000"/>
+                </a:solidFill>
+                <a:uFillTx/>
+                <a:latin typeface="+mj-lt"/>
+                <a:ea typeface="+mj-lt"/>
+                <a:cs typeface="+mj-lt"/>
+                <a:sym typeface="字魂58号-创中黑" panose="00000500000000000000" pitchFamily="2" charset="-122"/>
+              </a:rPr>
+              <a:t>提出了卷积神经网络，通过各感受野的权重共用和多维特征的复用和去冗余等手段达到精简网络结构和降低网络训练代价</a:t>
+            </a:r>
+            <a:r>
+              <a:rPr lang="zh-CN" altLang="en-US" sz="1600" b="1" dirty="0">
+                <a:solidFill>
+                  <a:srgbClr val="000000"/>
+                </a:solidFill>
+                <a:uFillTx/>
+                <a:latin typeface="+mj-lt"/>
+                <a:ea typeface="+mj-lt"/>
+                <a:cs typeface="+mj-lt"/>
+                <a:sym typeface="字魂58号-创中黑" panose="00000500000000000000" pitchFamily="2" charset="-122"/>
+              </a:rPr>
+              <a:t>的目的</a:t>
+            </a:r>
+            <a:endParaRPr lang="zh-CN" altLang="en-US" sz="1600" b="1" dirty="0">
+              <a:solidFill>
+                <a:srgbClr val="000000"/>
+              </a:solidFill>
+              <a:uFillTx/>
+              <a:latin typeface="+mj-lt"/>
+              <a:ea typeface="+mj-lt"/>
+              <a:cs typeface="+mj-lt"/>
               <a:sym typeface="字魂58号-创中黑" panose="00000500000000000000" pitchFamily="2" charset="-122"/>
             </a:endParaRPr>
           </a:p>
@@ -9243,6 +11147,12 @@
 </file>
 
 <file path=ppt/tags/tag2.xml><?xml version="1.0" encoding="utf-8"?>
+<p:tagLst xmlns:p="http://schemas.openxmlformats.org/presentationml/2006/main">
+  <p:tag name="KSO_WM_UNIT_PLACING_PICTURE_USER_VIEWPORT" val="{&quot;height&quot;:7680,&quot;width&quot;:7680}"/>
+</p:tagLst>
+</file>
+
+<file path=ppt/tags/tag3.xml><?xml version="1.0" encoding="utf-8"?>
 <p:tagLst xmlns:p="http://schemas.openxmlformats.org/presentationml/2006/main">
   <p:tag name="ISPRING_PRESENTATION_TITLE" val="639"/>
 </p:tagLst>
